--- a/JS.pptx
+++ b/JS.pptx
@@ -11,11 +11,12 @@
     <p:sldId id="257" r:id="rId5"/>
     <p:sldId id="260" r:id="rId6"/>
     <p:sldId id="261" r:id="rId7"/>
-    <p:sldId id="264" r:id="rId8"/>
-    <p:sldId id="263" r:id="rId9"/>
+    <p:sldId id="263" r:id="rId8"/>
+    <p:sldId id="264" r:id="rId9"/>
     <p:sldId id="265" r:id="rId10"/>
     <p:sldId id="266" r:id="rId11"/>
     <p:sldId id="267" r:id="rId12"/>
+    <p:sldId id="268" r:id="rId13"/>
   </p:sldIdLst>
   <p:sldSz cx="12192000" cy="6858000"/>
   <p:notesSz cx="6858000" cy="9144000"/>
@@ -292,7 +293,7 @@
           <a:p>
             <a:fld id="{B18CD5CF-620E-4412-AE2E-0422140EC374}" type="datetimeFigureOut">
               <a:rPr lang="es-MX" smtClean="0"/>
-              <a:t>07/03/2023</a:t>
+              <a:t>09/09/2025</a:t>
             </a:fld>
             <a:endParaRPr lang="es-MX"/>
           </a:p>
@@ -559,7 +560,7 @@
           <a:p>
             <a:fld id="{B18CD5CF-620E-4412-AE2E-0422140EC374}" type="datetimeFigureOut">
               <a:rPr lang="es-MX" smtClean="0"/>
-              <a:t>07/03/2023</a:t>
+              <a:t>09/09/2025</a:t>
             </a:fld>
             <a:endParaRPr lang="es-MX"/>
           </a:p>
@@ -790,7 +791,7 @@
           <a:p>
             <a:fld id="{B18CD5CF-620E-4412-AE2E-0422140EC374}" type="datetimeFigureOut">
               <a:rPr lang="es-MX" smtClean="0"/>
-              <a:t>07/03/2023</a:t>
+              <a:t>09/09/2025</a:t>
             </a:fld>
             <a:endParaRPr lang="es-MX"/>
           </a:p>
@@ -1100,7 +1101,7 @@
           <a:p>
             <a:fld id="{B18CD5CF-620E-4412-AE2E-0422140EC374}" type="datetimeFigureOut">
               <a:rPr lang="es-MX" smtClean="0"/>
-              <a:t>07/03/2023</a:t>
+              <a:t>09/09/2025</a:t>
             </a:fld>
             <a:endParaRPr lang="es-MX"/>
           </a:p>
@@ -1573,7 +1574,7 @@
           <a:p>
             <a:fld id="{B18CD5CF-620E-4412-AE2E-0422140EC374}" type="datetimeFigureOut">
               <a:rPr lang="es-MX" smtClean="0"/>
-              <a:t>07/03/2023</a:t>
+              <a:t>09/09/2025</a:t>
             </a:fld>
             <a:endParaRPr lang="es-MX"/>
           </a:p>
@@ -2120,7 +2121,7 @@
           <a:p>
             <a:fld id="{B18CD5CF-620E-4412-AE2E-0422140EC374}" type="datetimeFigureOut">
               <a:rPr lang="es-MX" smtClean="0"/>
-              <a:t>07/03/2023</a:t>
+              <a:t>09/09/2025</a:t>
             </a:fld>
             <a:endParaRPr lang="es-MX"/>
           </a:p>
@@ -2894,7 +2895,7 @@
           <a:p>
             <a:fld id="{B18CD5CF-620E-4412-AE2E-0422140EC374}" type="datetimeFigureOut">
               <a:rPr lang="es-MX" smtClean="0"/>
-              <a:t>07/03/2023</a:t>
+              <a:t>09/09/2025</a:t>
             </a:fld>
             <a:endParaRPr lang="es-MX"/>
           </a:p>
@@ -3069,7 +3070,7 @@
           <a:p>
             <a:fld id="{B18CD5CF-620E-4412-AE2E-0422140EC374}" type="datetimeFigureOut">
               <a:rPr lang="es-MX" smtClean="0"/>
-              <a:t>07/03/2023</a:t>
+              <a:t>09/09/2025</a:t>
             </a:fld>
             <a:endParaRPr lang="es-MX"/>
           </a:p>
@@ -3292,7 +3293,7 @@
           <a:p>
             <a:fld id="{B18CD5CF-620E-4412-AE2E-0422140EC374}" type="datetimeFigureOut">
               <a:rPr lang="es-MX" smtClean="0"/>
-              <a:t>07/03/2023</a:t>
+              <a:t>09/09/2025</a:t>
             </a:fld>
             <a:endParaRPr lang="es-MX"/>
           </a:p>
@@ -3472,7 +3473,7 @@
           <a:p>
             <a:fld id="{B18CD5CF-620E-4412-AE2E-0422140EC374}" type="datetimeFigureOut">
               <a:rPr lang="es-MX" smtClean="0"/>
-              <a:t>07/03/2023</a:t>
+              <a:t>09/09/2025</a:t>
             </a:fld>
             <a:endParaRPr lang="es-MX"/>
           </a:p>
@@ -3761,7 +3762,7 @@
           <a:p>
             <a:fld id="{B18CD5CF-620E-4412-AE2E-0422140EC374}" type="datetimeFigureOut">
               <a:rPr lang="es-MX" smtClean="0"/>
-              <a:t>07/03/2023</a:t>
+              <a:t>09/09/2025</a:t>
             </a:fld>
             <a:endParaRPr lang="es-MX"/>
           </a:p>
@@ -4003,7 +4004,7 @@
           <a:p>
             <a:fld id="{B18CD5CF-620E-4412-AE2E-0422140EC374}" type="datetimeFigureOut">
               <a:rPr lang="es-MX" smtClean="0"/>
-              <a:t>07/03/2023</a:t>
+              <a:t>09/09/2025</a:t>
             </a:fld>
             <a:endParaRPr lang="es-MX"/>
           </a:p>
@@ -4382,7 +4383,7 @@
           <a:p>
             <a:fld id="{B18CD5CF-620E-4412-AE2E-0422140EC374}" type="datetimeFigureOut">
               <a:rPr lang="es-MX" smtClean="0"/>
-              <a:t>07/03/2023</a:t>
+              <a:t>09/09/2025</a:t>
             </a:fld>
             <a:endParaRPr lang="es-MX"/>
           </a:p>
@@ -4500,7 +4501,7 @@
           <a:p>
             <a:fld id="{B18CD5CF-620E-4412-AE2E-0422140EC374}" type="datetimeFigureOut">
               <a:rPr lang="es-MX" smtClean="0"/>
-              <a:t>07/03/2023</a:t>
+              <a:t>09/09/2025</a:t>
             </a:fld>
             <a:endParaRPr lang="es-MX"/>
           </a:p>
@@ -4595,7 +4596,7 @@
           <a:p>
             <a:fld id="{B18CD5CF-620E-4412-AE2E-0422140EC374}" type="datetimeFigureOut">
               <a:rPr lang="es-MX" smtClean="0"/>
-              <a:t>07/03/2023</a:t>
+              <a:t>09/09/2025</a:t>
             </a:fld>
             <a:endParaRPr lang="es-MX"/>
           </a:p>
@@ -4844,7 +4845,7 @@
           <a:p>
             <a:fld id="{B18CD5CF-620E-4412-AE2E-0422140EC374}" type="datetimeFigureOut">
               <a:rPr lang="es-MX" smtClean="0"/>
-              <a:t>07/03/2023</a:t>
+              <a:t>09/09/2025</a:t>
             </a:fld>
             <a:endParaRPr lang="es-MX"/>
           </a:p>
@@ -5101,7 +5102,7 @@
           <a:p>
             <a:fld id="{B18CD5CF-620E-4412-AE2E-0422140EC374}" type="datetimeFigureOut">
               <a:rPr lang="es-MX" smtClean="0"/>
-              <a:t>07/03/2023</a:t>
+              <a:t>09/09/2025</a:t>
             </a:fld>
             <a:endParaRPr lang="es-MX"/>
           </a:p>
@@ -5344,7 +5345,7 @@
           <a:p>
             <a:fld id="{B18CD5CF-620E-4412-AE2E-0422140EC374}" type="datetimeFigureOut">
               <a:rPr lang="es-MX" smtClean="0"/>
-              <a:t>07/03/2023</a:t>
+              <a:t>09/09/2025</a:t>
             </a:fld>
             <a:endParaRPr lang="es-MX"/>
           </a:p>
@@ -5941,60 +5942,152 @@
           <a:chExt cx="0" cy="0"/>
         </a:xfrm>
       </p:grpSpPr>
-      <p:sp>
-        <p:nvSpPr>
-          <p:cNvPr id="2" name="Título 1">
+      <p:pic>
+        <p:nvPicPr>
+          <p:cNvPr id="1026" name="Picture 2" descr="r/webdev - JavaScript Cheat Sheets - 5 Visual Aids">
             <a:extLst>
               <a:ext uri="{FF2B5EF4-FFF2-40B4-BE49-F238E27FC236}">
-                <a16:creationId xmlns:a16="http://schemas.microsoft.com/office/drawing/2014/main" id="{5ADFA619-18DD-8A4D-2D8D-5A3443AC3054}"/>
+                <a16:creationId xmlns:a16="http://schemas.microsoft.com/office/drawing/2014/main" id="{204A6411-106E-A114-19A9-722BF16EECBE}"/>
               </a:ext>
             </a:extLst>
           </p:cNvPr>
-          <p:cNvSpPr>
-            <a:spLocks noGrp="1"/>
-          </p:cNvSpPr>
-          <p:nvPr>
-            <p:ph type="title"/>
-          </p:nvPr>
-        </p:nvSpPr>
-        <p:spPr/>
-        <p:txBody>
-          <a:bodyPr/>
-          <a:lstStyle/>
-          <a:p>
-            <a:endParaRPr lang="es-MX"/>
-          </a:p>
-        </p:txBody>
-      </p:sp>
-      <p:sp>
-        <p:nvSpPr>
-          <p:cNvPr id="3" name="Marcador de contenido 2">
+          <p:cNvPicPr>
+            <a:picLocks noChangeAspect="1" noChangeArrowheads="1"/>
+          </p:cNvPicPr>
+          <p:nvPr/>
+        </p:nvPicPr>
+        <p:blipFill rotWithShape="1">
+          <a:blip r:embed="rId2">
             <a:extLst>
-              <a:ext uri="{FF2B5EF4-FFF2-40B4-BE49-F238E27FC236}">
-                <a16:creationId xmlns:a16="http://schemas.microsoft.com/office/drawing/2014/main" id="{0D7BDA67-6FE3-FE10-F000-51B344174B00}"/>
+              <a:ext uri="{BEBA8EAE-BF5A-486C-A8C5-ECC9F3942E4B}">
+                <a14:imgProps xmlns:a14="http://schemas.microsoft.com/office/drawing/2010/main">
+                  <a14:imgLayer r:embed="rId3">
+                    <a14:imgEffect>
+                      <a14:sharpenSoften amount="25000"/>
+                    </a14:imgEffect>
+                  </a14:imgLayer>
+                </a14:imgProps>
+              </a:ext>
+              <a:ext uri="{28A0092B-C50C-407E-A947-70E740481C1C}">
+                <a14:useLocalDpi xmlns:a14="http://schemas.microsoft.com/office/drawing/2010/main" val="0"/>
               </a:ext>
             </a:extLst>
-          </p:cNvPr>
-          <p:cNvSpPr>
-            <a:spLocks noGrp="1"/>
-          </p:cNvSpPr>
-          <p:nvPr>
-            <p:ph idx="1"/>
-          </p:nvPr>
-        </p:nvSpPr>
-        <p:spPr/>
-        <p:txBody>
-          <a:bodyPr/>
-          <a:lstStyle/>
-          <a:p>
-            <a:endParaRPr lang="es-MX"/>
-          </a:p>
-        </p:txBody>
-      </p:sp>
+          </a:blip>
+          <a:srcRect b="50000"/>
+          <a:stretch>
+            <a:fillRect/>
+          </a:stretch>
+        </p:blipFill>
+        <p:spPr bwMode="auto">
+          <a:xfrm>
+            <a:off x="1281579" y="0"/>
+            <a:ext cx="9628842" cy="6807953"/>
+          </a:xfrm>
+          <a:prstGeom prst="rect">
+            <a:avLst/>
+          </a:prstGeom>
+          <a:noFill/>
+          <a:extLst>
+            <a:ext uri="{909E8E84-426E-40DD-AFC4-6F175D3DCCD1}">
+              <a14:hiddenFill xmlns:a14="http://schemas.microsoft.com/office/drawing/2010/main">
+                <a:solidFill>
+                  <a:srgbClr val="FFFFFF"/>
+                </a:solidFill>
+              </a14:hiddenFill>
+            </a:ext>
+          </a:extLst>
+        </p:spPr>
+      </p:pic>
     </p:spTree>
     <p:extLst>
       <p:ext uri="{BB962C8B-B14F-4D97-AF65-F5344CB8AC3E}">
         <p14:creationId xmlns:p14="http://schemas.microsoft.com/office/powerpoint/2010/main" val="875365085"/>
+      </p:ext>
+    </p:extLst>
+  </p:cSld>
+  <p:clrMapOvr>
+    <a:masterClrMapping/>
+  </p:clrMapOvr>
+</p:sld>
+</file>
+
+<file path=ppt/slides/slide12.xml><?xml version="1.0" encoding="utf-8"?>
+<p:sld xmlns:a="http://schemas.openxmlformats.org/drawingml/2006/main" xmlns:r="http://schemas.openxmlformats.org/officeDocument/2006/relationships" xmlns:p="http://schemas.openxmlformats.org/presentationml/2006/main">
+  <p:cSld>
+    <p:spTree>
+      <p:nvGrpSpPr>
+        <p:cNvPr id="1" name=""/>
+        <p:cNvGrpSpPr/>
+        <p:nvPr/>
+      </p:nvGrpSpPr>
+      <p:grpSpPr>
+        <a:xfrm>
+          <a:off x="0" y="0"/>
+          <a:ext cx="0" cy="0"/>
+          <a:chOff x="0" y="0"/>
+          <a:chExt cx="0" cy="0"/>
+        </a:xfrm>
+      </p:grpSpPr>
+      <p:pic>
+        <p:nvPicPr>
+          <p:cNvPr id="2050" name="Picture 2" descr="r/webdev - JavaScript Cheat Sheets - 5 Visual Aids">
+            <a:extLst>
+              <a:ext uri="{FF2B5EF4-FFF2-40B4-BE49-F238E27FC236}">
+                <a16:creationId xmlns:a16="http://schemas.microsoft.com/office/drawing/2014/main" id="{A595BF60-800C-835D-63B7-8BA6DACF21E2}"/>
+              </a:ext>
+            </a:extLst>
+          </p:cNvPr>
+          <p:cNvPicPr>
+            <a:picLocks noChangeAspect="1" noChangeArrowheads="1"/>
+          </p:cNvPicPr>
+          <p:nvPr/>
+        </p:nvPicPr>
+        <p:blipFill rotWithShape="1">
+          <a:blip r:embed="rId2">
+            <a:extLst>
+              <a:ext uri="{BEBA8EAE-BF5A-486C-A8C5-ECC9F3942E4B}">
+                <a14:imgProps xmlns:a14="http://schemas.microsoft.com/office/drawing/2010/main">
+                  <a14:imgLayer r:embed="rId3">
+                    <a14:imgEffect>
+                      <a14:sharpenSoften amount="25000"/>
+                    </a14:imgEffect>
+                  </a14:imgLayer>
+                </a14:imgProps>
+              </a:ext>
+              <a:ext uri="{28A0092B-C50C-407E-A947-70E740481C1C}">
+                <a14:useLocalDpi xmlns:a14="http://schemas.microsoft.com/office/drawing/2010/main" val="0"/>
+              </a:ext>
+            </a:extLst>
+          </a:blip>
+          <a:srcRect t="50000" b="7322"/>
+          <a:stretch>
+            <a:fillRect/>
+          </a:stretch>
+        </p:blipFill>
+        <p:spPr bwMode="auto">
+          <a:xfrm>
+            <a:off x="241300" y="-1"/>
+            <a:ext cx="11363512" cy="6857837"/>
+          </a:xfrm>
+          <a:prstGeom prst="rect">
+            <a:avLst/>
+          </a:prstGeom>
+          <a:noFill/>
+          <a:extLst>
+            <a:ext uri="{909E8E84-426E-40DD-AFC4-6F175D3DCCD1}">
+              <a14:hiddenFill xmlns:a14="http://schemas.microsoft.com/office/drawing/2010/main">
+                <a:solidFill>
+                  <a:srgbClr val="FFFFFF"/>
+                </a:solidFill>
+              </a14:hiddenFill>
+            </a:ext>
+          </a:extLst>
+        </p:spPr>
+      </p:pic>
+    </p:spTree>
+    <p:extLst>
+      <p:ext uri="{BB962C8B-B14F-4D97-AF65-F5344CB8AC3E}">
+        <p14:creationId xmlns:p14="http://schemas.microsoft.com/office/powerpoint/2010/main" val="2450255647"/>
       </p:ext>
     </p:extLst>
   </p:cSld>
@@ -7250,8 +7343,8 @@
         </p:nvSpPr>
         <p:spPr bwMode="auto">
           <a:xfrm>
-            <a:off x="943022" y="1562355"/>
-            <a:ext cx="9555501" cy="4632552"/>
+            <a:off x="943022" y="1369995"/>
+            <a:ext cx="9555501" cy="5017273"/>
           </a:xfrm>
           <a:prstGeom prst="rect">
             <a:avLst/>
@@ -7860,6 +7953,69 @@
               </a:rPr>
               <a:t>: Ordena los elementos en el arreglo</a:t>
             </a:r>
+          </a:p>
+          <a:p>
+            <a:pPr marL="0" marR="0" lvl="0" indent="0" algn="l" defTabSz="914400" rtl="0" eaLnBrk="0" fontAlgn="base" latinLnBrk="0" hangingPunct="0">
+              <a:lnSpc>
+                <a:spcPct val="100000"/>
+              </a:lnSpc>
+              <a:spcBef>
+                <a:spcPct val="0"/>
+              </a:spcBef>
+              <a:spcAft>
+                <a:spcPct val="0"/>
+              </a:spcAft>
+              <a:buClrTx/>
+              <a:buSzTx/>
+              <a:buNone/>
+              <a:tabLst/>
+            </a:pPr>
+            <a:r>
+              <a:rPr lang="es-MX" altLang="es-MX" sz="2500" dirty="0">
+                <a:solidFill>
+                  <a:schemeClr val="tx1">
+                    <a:lumMod val="95000"/>
+                    <a:lumOff val="5000"/>
+                  </a:schemeClr>
+                </a:solidFill>
+                <a:latin typeface="Abadi" panose="020B0604020104020204" pitchFamily="34" charset="0"/>
+              </a:rPr>
+              <a:t>.</a:t>
+            </a:r>
+            <a:r>
+              <a:rPr lang="es-MX" altLang="es-MX" sz="2500" dirty="0" err="1">
+                <a:solidFill>
+                  <a:srgbClr val="0070C0"/>
+                </a:solidFill>
+                <a:latin typeface="Abadi" panose="020B0604020104020204" pitchFamily="34" charset="0"/>
+              </a:rPr>
+              <a:t>includes</a:t>
+            </a:r>
+            <a:r>
+              <a:rPr lang="es-MX" altLang="es-MX" sz="2500" dirty="0">
+                <a:solidFill>
+                  <a:schemeClr val="tx1">
+                    <a:lumMod val="95000"/>
+                    <a:lumOff val="5000"/>
+                  </a:schemeClr>
+                </a:solidFill>
+                <a:latin typeface="Abadi" panose="020B0604020104020204" pitchFamily="34" charset="0"/>
+              </a:rPr>
+              <a:t>(“”) si un array contiene un valor especifico</a:t>
+            </a:r>
+            <a:endParaRPr kumimoji="0" lang="es-MX" altLang="es-MX" sz="2500" b="0" i="0" u="none" strike="noStrike" cap="none" normalizeH="0" baseline="0" dirty="0">
+              <a:ln>
+                <a:noFill/>
+              </a:ln>
+              <a:solidFill>
+                <a:schemeClr val="tx1">
+                  <a:lumMod val="95000"/>
+                  <a:lumOff val="5000"/>
+                </a:schemeClr>
+              </a:solidFill>
+              <a:effectLst/>
+              <a:latin typeface="Abadi" panose="020B0604020104020204" pitchFamily="34" charset="0"/>
+            </a:endParaRPr>
           </a:p>
           <a:p>
             <a:pPr marL="0" marR="0" lvl="0" indent="0" algn="l" defTabSz="914400" rtl="0" eaLnBrk="0" fontAlgn="base" latinLnBrk="0" hangingPunct="0">
@@ -8861,7 +9017,7 @@
           <p:cNvPr id="3" name="Marcador de contenido 2">
             <a:extLst>
               <a:ext uri="{FF2B5EF4-FFF2-40B4-BE49-F238E27FC236}">
-                <a16:creationId xmlns:a16="http://schemas.microsoft.com/office/drawing/2014/main" id="{C79DE818-7755-8AC0-E684-F32B38AC888A}"/>
+                <a16:creationId xmlns:a16="http://schemas.microsoft.com/office/drawing/2014/main" id="{EE6DDDA3-F623-F234-3742-9D33E821CDF7}"/>
               </a:ext>
             </a:extLst>
           </p:cNvPr>
@@ -8874,297 +9030,870 @@
         </p:nvSpPr>
         <p:spPr>
           <a:xfrm>
-            <a:off x="497541" y="432996"/>
-            <a:ext cx="10820400" cy="5282004"/>
+            <a:off x="7463118" y="1023835"/>
+            <a:ext cx="4155140" cy="5120640"/>
           </a:xfrm>
+        </p:spPr>
+        <p:txBody>
+          <a:bodyPr>
+            <a:normAutofit lnSpcReduction="10000"/>
+          </a:bodyPr>
+          <a:lstStyle/>
+          <a:p>
+            <a:pPr marL="0" indent="0">
+              <a:buNone/>
+            </a:pPr>
+            <a:r>
+              <a:rPr lang="en-US" sz="2000" dirty="0">
+                <a:solidFill>
+                  <a:srgbClr val="CE21C5"/>
+                </a:solidFill>
+                <a:effectLst/>
+                <a:latin typeface="Consolas" panose="020B0609020204030204" pitchFamily="49" charset="0"/>
+                <a:cs typeface="Arial" panose="020B0604020202020204" pitchFamily="34" charset="0"/>
+              </a:rPr>
+              <a:t>switch</a:t>
+            </a:r>
+            <a:r>
+              <a:rPr lang="en-US" sz="2000" dirty="0">
+                <a:solidFill>
+                  <a:srgbClr val="CED5E5"/>
+                </a:solidFill>
+                <a:effectLst/>
+                <a:latin typeface="Consolas" panose="020B0609020204030204" pitchFamily="49" charset="0"/>
+                <a:cs typeface="Arial" panose="020B0604020202020204" pitchFamily="34" charset="0"/>
+              </a:rPr>
+              <a:t> (</a:t>
+            </a:r>
+            <a:r>
+              <a:rPr lang="en-US" sz="2000" dirty="0">
+                <a:solidFill>
+                  <a:srgbClr val="FB467B"/>
+                </a:solidFill>
+                <a:effectLst/>
+                <a:latin typeface="Consolas" panose="020B0609020204030204" pitchFamily="49" charset="0"/>
+                <a:cs typeface="Arial" panose="020B0604020202020204" pitchFamily="34" charset="0"/>
+              </a:rPr>
+              <a:t>key</a:t>
+            </a:r>
+            <a:r>
+              <a:rPr lang="en-US" sz="2000" dirty="0">
+                <a:solidFill>
+                  <a:srgbClr val="CED5E5"/>
+                </a:solidFill>
+                <a:effectLst/>
+                <a:latin typeface="Consolas" panose="020B0609020204030204" pitchFamily="49" charset="0"/>
+                <a:cs typeface="Arial" panose="020B0604020202020204" pitchFamily="34" charset="0"/>
+              </a:rPr>
+              <a:t>) {</a:t>
+            </a:r>
+          </a:p>
+          <a:p>
+            <a:pPr marL="0" indent="0">
+              <a:buNone/>
+            </a:pPr>
+            <a:r>
+              <a:rPr lang="en-US" sz="2000" dirty="0">
+                <a:solidFill>
+                  <a:srgbClr val="CED5E5"/>
+                </a:solidFill>
+                <a:effectLst/>
+                <a:latin typeface="Consolas" panose="020B0609020204030204" pitchFamily="49" charset="0"/>
+                <a:cs typeface="Arial" panose="020B0604020202020204" pitchFamily="34" charset="0"/>
+              </a:rPr>
+              <a:t>    </a:t>
+            </a:r>
+            <a:r>
+              <a:rPr lang="en-US" sz="2000" dirty="0">
+                <a:solidFill>
+                  <a:srgbClr val="CE21C5"/>
+                </a:solidFill>
+                <a:effectLst/>
+                <a:latin typeface="Consolas" panose="020B0609020204030204" pitchFamily="49" charset="0"/>
+                <a:cs typeface="Arial" panose="020B0604020202020204" pitchFamily="34" charset="0"/>
+              </a:rPr>
+              <a:t>case</a:t>
+            </a:r>
+            <a:r>
+              <a:rPr lang="en-US" sz="2000" dirty="0">
+                <a:solidFill>
+                  <a:srgbClr val="CED5E5"/>
+                </a:solidFill>
+                <a:effectLst/>
+                <a:latin typeface="Consolas" panose="020B0609020204030204" pitchFamily="49" charset="0"/>
+                <a:cs typeface="Arial" panose="020B0604020202020204" pitchFamily="34" charset="0"/>
+              </a:rPr>
+              <a:t> </a:t>
+            </a:r>
+            <a:r>
+              <a:rPr lang="en-US" sz="2000" dirty="0">
+                <a:solidFill>
+                  <a:srgbClr val="FB467B"/>
+                </a:solidFill>
+                <a:effectLst/>
+                <a:latin typeface="Consolas" panose="020B0609020204030204" pitchFamily="49" charset="0"/>
+                <a:cs typeface="Arial" panose="020B0604020202020204" pitchFamily="34" charset="0"/>
+              </a:rPr>
+              <a:t>value</a:t>
+            </a:r>
+            <a:r>
+              <a:rPr lang="en-US" sz="2000" dirty="0">
+                <a:solidFill>
+                  <a:srgbClr val="CED5E5"/>
+                </a:solidFill>
+                <a:effectLst/>
+                <a:latin typeface="Consolas" panose="020B0609020204030204" pitchFamily="49" charset="0"/>
+                <a:cs typeface="Arial" panose="020B0604020202020204" pitchFamily="34" charset="0"/>
+              </a:rPr>
+              <a:t>:</a:t>
+            </a:r>
+          </a:p>
+          <a:p>
+            <a:pPr marL="0" indent="0">
+              <a:buNone/>
+            </a:pPr>
+            <a:r>
+              <a:rPr lang="en-US" sz="2000" dirty="0">
+                <a:solidFill>
+                  <a:srgbClr val="CED5E5"/>
+                </a:solidFill>
+                <a:effectLst/>
+                <a:latin typeface="Consolas" panose="020B0609020204030204" pitchFamily="49" charset="0"/>
+                <a:cs typeface="Arial" panose="020B0604020202020204" pitchFamily="34" charset="0"/>
+              </a:rPr>
+              <a:t>        </a:t>
+            </a:r>
+            <a:r>
+              <a:rPr lang="en-US" sz="2000" dirty="0">
+                <a:solidFill>
+                  <a:srgbClr val="CE21C5"/>
+                </a:solidFill>
+                <a:effectLst/>
+                <a:latin typeface="Consolas" panose="020B0609020204030204" pitchFamily="49" charset="0"/>
+                <a:cs typeface="Arial" panose="020B0604020202020204" pitchFamily="34" charset="0"/>
+              </a:rPr>
+              <a:t>break</a:t>
+            </a:r>
+            <a:r>
+              <a:rPr lang="en-US" sz="2000" dirty="0">
+                <a:solidFill>
+                  <a:srgbClr val="CED5E5"/>
+                </a:solidFill>
+                <a:effectLst/>
+                <a:latin typeface="Consolas" panose="020B0609020204030204" pitchFamily="49" charset="0"/>
+                <a:cs typeface="Arial" panose="020B0604020202020204" pitchFamily="34" charset="0"/>
+              </a:rPr>
+              <a:t>;</a:t>
+            </a:r>
+          </a:p>
+          <a:p>
+            <a:pPr marL="0" indent="0">
+              <a:buNone/>
+            </a:pPr>
+            <a:br>
+              <a:rPr lang="en-US" sz="2000" dirty="0">
+                <a:solidFill>
+                  <a:srgbClr val="CED5E5"/>
+                </a:solidFill>
+                <a:effectLst/>
+                <a:latin typeface="Consolas" panose="020B0609020204030204" pitchFamily="49" charset="0"/>
+                <a:cs typeface="Arial" panose="020B0604020202020204" pitchFamily="34" charset="0"/>
+              </a:rPr>
+            </a:br>
+            <a:r>
+              <a:rPr lang="en-US" sz="2000" dirty="0">
+                <a:solidFill>
+                  <a:srgbClr val="CED5E5"/>
+                </a:solidFill>
+                <a:effectLst/>
+                <a:latin typeface="Consolas" panose="020B0609020204030204" pitchFamily="49" charset="0"/>
+                <a:cs typeface="Arial" panose="020B0604020202020204" pitchFamily="34" charset="0"/>
+              </a:rPr>
+              <a:t>    </a:t>
+            </a:r>
+            <a:r>
+              <a:rPr lang="en-US" sz="2000" dirty="0">
+                <a:solidFill>
+                  <a:srgbClr val="CE21C5"/>
+                </a:solidFill>
+                <a:effectLst/>
+                <a:latin typeface="Consolas" panose="020B0609020204030204" pitchFamily="49" charset="0"/>
+                <a:cs typeface="Arial" panose="020B0604020202020204" pitchFamily="34" charset="0"/>
+              </a:rPr>
+              <a:t>default</a:t>
+            </a:r>
+            <a:r>
+              <a:rPr lang="en-US" sz="2000" dirty="0">
+                <a:solidFill>
+                  <a:srgbClr val="CED5E5"/>
+                </a:solidFill>
+                <a:effectLst/>
+                <a:latin typeface="Consolas" panose="020B0609020204030204" pitchFamily="49" charset="0"/>
+                <a:cs typeface="Arial" panose="020B0604020202020204" pitchFamily="34" charset="0"/>
+              </a:rPr>
+              <a:t>:</a:t>
+            </a:r>
+          </a:p>
+          <a:p>
+            <a:pPr marL="0" indent="0">
+              <a:buNone/>
+            </a:pPr>
+            <a:r>
+              <a:rPr lang="en-US" sz="2000" dirty="0">
+                <a:solidFill>
+                  <a:srgbClr val="CED5E5"/>
+                </a:solidFill>
+                <a:effectLst/>
+                <a:latin typeface="Consolas" panose="020B0609020204030204" pitchFamily="49" charset="0"/>
+                <a:cs typeface="Arial" panose="020B0604020202020204" pitchFamily="34" charset="0"/>
+              </a:rPr>
+              <a:t>        </a:t>
+            </a:r>
+            <a:r>
+              <a:rPr lang="en-US" sz="2000" dirty="0">
+                <a:solidFill>
+                  <a:srgbClr val="CE21C5"/>
+                </a:solidFill>
+                <a:effectLst/>
+                <a:latin typeface="Consolas" panose="020B0609020204030204" pitchFamily="49" charset="0"/>
+                <a:cs typeface="Arial" panose="020B0604020202020204" pitchFamily="34" charset="0"/>
+              </a:rPr>
+              <a:t>break</a:t>
+            </a:r>
+            <a:r>
+              <a:rPr lang="en-US" sz="2000" dirty="0">
+                <a:solidFill>
+                  <a:srgbClr val="CED5E5"/>
+                </a:solidFill>
+                <a:effectLst/>
+                <a:latin typeface="Consolas" panose="020B0609020204030204" pitchFamily="49" charset="0"/>
+                <a:cs typeface="Arial" panose="020B0604020202020204" pitchFamily="34" charset="0"/>
+              </a:rPr>
+              <a:t>;</a:t>
+            </a:r>
+          </a:p>
+          <a:p>
+            <a:pPr marL="0" indent="0">
+              <a:buNone/>
+            </a:pPr>
+            <a:r>
+              <a:rPr lang="en-US" sz="2000" dirty="0">
+                <a:solidFill>
+                  <a:srgbClr val="CED5E5"/>
+                </a:solidFill>
+                <a:effectLst/>
+                <a:latin typeface="Consolas" panose="020B0609020204030204" pitchFamily="49" charset="0"/>
+                <a:cs typeface="Arial" panose="020B0604020202020204" pitchFamily="34" charset="0"/>
+              </a:rPr>
+              <a:t>}</a:t>
+            </a:r>
+          </a:p>
+          <a:p>
+            <a:pPr marL="0" indent="0">
+              <a:buNone/>
+            </a:pPr>
+            <a:endParaRPr lang="es-MX" sz="2000" dirty="0">
+              <a:latin typeface="Consolas" panose="020B0609020204030204" pitchFamily="49" charset="0"/>
+              <a:cs typeface="Arial" panose="020B0604020202020204" pitchFamily="34" charset="0"/>
+            </a:endParaRPr>
+          </a:p>
+          <a:p>
+            <a:pPr marL="0" indent="0">
+              <a:buNone/>
+            </a:pPr>
+            <a:endParaRPr lang="es-MX" sz="2000" dirty="0">
+              <a:latin typeface="Consolas" panose="020B0609020204030204" pitchFamily="49" charset="0"/>
+              <a:cs typeface="Arial" panose="020B0604020202020204" pitchFamily="34" charset="0"/>
+            </a:endParaRPr>
+          </a:p>
+          <a:p>
+            <a:r>
+              <a:rPr lang="es-MX" sz="2000" dirty="0">
+                <a:latin typeface="Consolas" panose="020B0609020204030204" pitchFamily="49" charset="0"/>
+                <a:cs typeface="Arial" panose="020B0604020202020204" pitchFamily="34" charset="0"/>
+              </a:rPr>
+              <a:t>Hacer que </a:t>
+            </a:r>
+            <a:r>
+              <a:rPr lang="es-MX" sz="2000" dirty="0" err="1">
+                <a:latin typeface="Consolas" panose="020B0609020204030204" pitchFamily="49" charset="0"/>
+                <a:cs typeface="Arial" panose="020B0604020202020204" pitchFamily="34" charset="0"/>
+              </a:rPr>
+              <a:t>swtich</a:t>
+            </a:r>
+            <a:r>
+              <a:rPr lang="es-MX" sz="2000" dirty="0">
+                <a:latin typeface="Consolas" panose="020B0609020204030204" pitchFamily="49" charset="0"/>
+                <a:cs typeface="Arial" panose="020B0604020202020204" pitchFamily="34" charset="0"/>
+              </a:rPr>
+              <a:t> pueda utilizar rangos </a:t>
+            </a:r>
+          </a:p>
+          <a:p>
+            <a:pPr marL="0" indent="0">
+              <a:buNone/>
+            </a:pPr>
+            <a:r>
+              <a:rPr lang="es-MX" sz="2000" dirty="0">
+                <a:solidFill>
+                  <a:srgbClr val="7030A0"/>
+                </a:solidFill>
+                <a:latin typeface="Consolas" panose="020B0609020204030204" pitchFamily="49" charset="0"/>
+                <a:cs typeface="Arial" panose="020B0604020202020204" pitchFamily="34" charset="0"/>
+              </a:rPr>
+              <a:t>switch(true){</a:t>
+            </a:r>
+          </a:p>
+          <a:p>
+            <a:pPr marL="457200" lvl="1" indent="0">
+              <a:buNone/>
+            </a:pPr>
+            <a:r>
+              <a:rPr lang="es-MX" dirty="0">
+                <a:solidFill>
+                  <a:srgbClr val="7030A0"/>
+                </a:solidFill>
+                <a:latin typeface="Consolas" panose="020B0609020204030204" pitchFamily="49" charset="0"/>
+                <a:cs typeface="Arial" panose="020B0604020202020204" pitchFamily="34" charset="0"/>
+              </a:rPr>
+              <a:t>case variable </a:t>
+            </a:r>
+            <a:r>
+              <a:rPr lang="es-MX" dirty="0" err="1">
+                <a:solidFill>
+                  <a:srgbClr val="7030A0"/>
+                </a:solidFill>
+                <a:latin typeface="Consolas" panose="020B0609020204030204" pitchFamily="49" charset="0"/>
+                <a:cs typeface="Arial" panose="020B0604020202020204" pitchFamily="34" charset="0"/>
+              </a:rPr>
+              <a:t>cond</a:t>
+            </a:r>
+            <a:r>
+              <a:rPr lang="es-MX" dirty="0">
+                <a:solidFill>
+                  <a:srgbClr val="7030A0"/>
+                </a:solidFill>
+                <a:latin typeface="Consolas" panose="020B0609020204030204" pitchFamily="49" charset="0"/>
+                <a:cs typeface="Arial" panose="020B0604020202020204" pitchFamily="34" charset="0"/>
+              </a:rPr>
+              <a:t> </a:t>
+            </a:r>
+            <a:r>
+              <a:rPr lang="es-MX" dirty="0" err="1">
+                <a:solidFill>
+                  <a:srgbClr val="7030A0"/>
+                </a:solidFill>
+                <a:latin typeface="Consolas" panose="020B0609020204030204" pitchFamily="49" charset="0"/>
+                <a:cs typeface="Arial" panose="020B0604020202020204" pitchFamily="34" charset="0"/>
+              </a:rPr>
+              <a:t>ref</a:t>
+            </a:r>
+            <a:endParaRPr lang="es-MX" dirty="0">
+              <a:solidFill>
+                <a:srgbClr val="7030A0"/>
+              </a:solidFill>
+              <a:latin typeface="Consolas" panose="020B0609020204030204" pitchFamily="49" charset="0"/>
+              <a:cs typeface="Arial" panose="020B0604020202020204" pitchFamily="34" charset="0"/>
+            </a:endParaRPr>
+          </a:p>
+          <a:p>
+            <a:pPr marL="0" indent="0">
+              <a:buNone/>
+            </a:pPr>
+            <a:r>
+              <a:rPr lang="es-MX" sz="2000" dirty="0">
+                <a:solidFill>
+                  <a:srgbClr val="7030A0"/>
+                </a:solidFill>
+                <a:latin typeface="Consolas" panose="020B0609020204030204" pitchFamily="49" charset="0"/>
+                <a:cs typeface="Arial" panose="020B0604020202020204" pitchFamily="34" charset="0"/>
+              </a:rPr>
+              <a:t>}</a:t>
+            </a:r>
+          </a:p>
+        </p:txBody>
+      </p:sp>
+      <p:sp>
+        <p:nvSpPr>
+          <p:cNvPr id="4" name="CuadroTexto 3">
+            <a:extLst>
+              <a:ext uri="{FF2B5EF4-FFF2-40B4-BE49-F238E27FC236}">
+                <a16:creationId xmlns:a16="http://schemas.microsoft.com/office/drawing/2014/main" id="{B8E04AD9-4E78-62CF-8365-503840352347}"/>
+              </a:ext>
+            </a:extLst>
+          </p:cNvPr>
+          <p:cNvSpPr txBox="1"/>
+          <p:nvPr/>
+        </p:nvSpPr>
+        <p:spPr>
+          <a:xfrm>
+            <a:off x="735106" y="920621"/>
+            <a:ext cx="5885328" cy="5016758"/>
+          </a:xfrm>
+          <a:prstGeom prst="rect">
+            <a:avLst/>
+          </a:prstGeom>
           <a:solidFill>
             <a:schemeClr val="bg1"/>
           </a:solidFill>
         </p:spPr>
         <p:txBody>
-          <a:bodyPr>
-            <a:normAutofit/>
+          <a:bodyPr wrap="square" rtlCol="0">
+            <a:spAutoFit/>
           </a:bodyPr>
           <a:lstStyle/>
           <a:p>
-            <a:endParaRPr lang="es-MX" dirty="0"/>
-          </a:p>
-          <a:p>
-            <a:r>
-              <a:rPr lang="es-MX" b="0" dirty="0" err="1">
+            <a:r>
+              <a:rPr lang="en-US" sz="2000" dirty="0">
+                <a:solidFill>
+                  <a:schemeClr val="accent3">
+                    <a:lumMod val="60000"/>
+                    <a:lumOff val="40000"/>
+                  </a:schemeClr>
+                </a:solidFill>
+                <a:effectLst/>
+                <a:latin typeface="Consolas" panose="020B0609020204030204" pitchFamily="49" charset="0"/>
+              </a:rPr>
+              <a:t>for</a:t>
+            </a:r>
+            <a:r>
+              <a:rPr lang="en-US" sz="2000" dirty="0">
+                <a:solidFill>
+                  <a:srgbClr val="CED5E5"/>
+                </a:solidFill>
+                <a:effectLst/>
+                <a:latin typeface="Consolas" panose="020B0609020204030204" pitchFamily="49" charset="0"/>
+              </a:rPr>
+              <a:t> (</a:t>
+            </a:r>
+            <a:r>
+              <a:rPr lang="en-US" sz="2000" dirty="0">
+                <a:solidFill>
+                  <a:schemeClr val="accent3">
+                    <a:lumMod val="60000"/>
+                    <a:lumOff val="40000"/>
+                  </a:schemeClr>
+                </a:solidFill>
+                <a:effectLst/>
+                <a:latin typeface="Consolas" panose="020B0609020204030204" pitchFamily="49" charset="0"/>
+              </a:rPr>
+              <a:t>let</a:t>
+            </a:r>
+            <a:r>
+              <a:rPr lang="en-US" sz="2000" dirty="0">
+                <a:solidFill>
+                  <a:srgbClr val="CED5E5"/>
+                </a:solidFill>
+                <a:effectLst/>
+                <a:latin typeface="Consolas" panose="020B0609020204030204" pitchFamily="49" charset="0"/>
+              </a:rPr>
+              <a:t> </a:t>
+            </a:r>
+            <a:r>
+              <a:rPr lang="en-US" sz="2000" dirty="0" err="1">
+                <a:solidFill>
+                  <a:srgbClr val="FB467B"/>
+                </a:solidFill>
+                <a:effectLst/>
+                <a:latin typeface="Consolas" panose="020B0609020204030204" pitchFamily="49" charset="0"/>
+              </a:rPr>
+              <a:t>i</a:t>
+            </a:r>
+            <a:r>
+              <a:rPr lang="en-US" sz="2000" dirty="0">
+                <a:solidFill>
+                  <a:srgbClr val="CED5E5"/>
+                </a:solidFill>
+                <a:effectLst/>
+                <a:latin typeface="Consolas" panose="020B0609020204030204" pitchFamily="49" charset="0"/>
+              </a:rPr>
+              <a:t> </a:t>
+            </a:r>
+            <a:r>
+              <a:rPr lang="en-US" sz="2000" dirty="0">
+                <a:solidFill>
+                  <a:srgbClr val="56D6D6"/>
+                </a:solidFill>
+                <a:effectLst/>
+                <a:latin typeface="Consolas" panose="020B0609020204030204" pitchFamily="49" charset="0"/>
+              </a:rPr>
+              <a:t>=</a:t>
+            </a:r>
+            <a:r>
+              <a:rPr lang="en-US" sz="2000" dirty="0">
+                <a:solidFill>
+                  <a:srgbClr val="CED5E5"/>
+                </a:solidFill>
+                <a:effectLst/>
+                <a:latin typeface="Consolas" panose="020B0609020204030204" pitchFamily="49" charset="0"/>
+              </a:rPr>
+              <a:t> </a:t>
+            </a:r>
+            <a:r>
+              <a:rPr lang="en-US" sz="2000" dirty="0">
+                <a:solidFill>
+                  <a:srgbClr val="F78C6C"/>
+                </a:solidFill>
+                <a:effectLst/>
+                <a:latin typeface="Consolas" panose="020B0609020204030204" pitchFamily="49" charset="0"/>
+              </a:rPr>
+              <a:t>0</a:t>
+            </a:r>
+            <a:r>
+              <a:rPr lang="en-US" sz="2000" dirty="0">
+                <a:solidFill>
+                  <a:srgbClr val="CED5E5"/>
+                </a:solidFill>
+                <a:effectLst/>
+                <a:latin typeface="Consolas" panose="020B0609020204030204" pitchFamily="49" charset="0"/>
+              </a:rPr>
+              <a:t>; </a:t>
+            </a:r>
+            <a:r>
+              <a:rPr lang="en-US" sz="2000" dirty="0" err="1">
+                <a:solidFill>
+                  <a:srgbClr val="FB467B"/>
+                </a:solidFill>
+                <a:effectLst/>
+                <a:latin typeface="Consolas" panose="020B0609020204030204" pitchFamily="49" charset="0"/>
+              </a:rPr>
+              <a:t>i</a:t>
+            </a:r>
+            <a:r>
+              <a:rPr lang="en-US" sz="2000" dirty="0">
+                <a:solidFill>
+                  <a:srgbClr val="CED5E5"/>
+                </a:solidFill>
+                <a:effectLst/>
+                <a:latin typeface="Consolas" panose="020B0609020204030204" pitchFamily="49" charset="0"/>
+              </a:rPr>
+              <a:t> </a:t>
+            </a:r>
+            <a:r>
+              <a:rPr lang="en-US" sz="2000" dirty="0">
+                <a:solidFill>
+                  <a:srgbClr val="56D6D6"/>
+                </a:solidFill>
+                <a:effectLst/>
+                <a:latin typeface="Consolas" panose="020B0609020204030204" pitchFamily="49" charset="0"/>
+              </a:rPr>
+              <a:t>&lt;</a:t>
+            </a:r>
+            <a:r>
+              <a:rPr lang="en-US" sz="2000" dirty="0">
+                <a:solidFill>
+                  <a:srgbClr val="CED5E5"/>
+                </a:solidFill>
+                <a:effectLst/>
+                <a:latin typeface="Consolas" panose="020B0609020204030204" pitchFamily="49" charset="0"/>
+              </a:rPr>
+              <a:t> </a:t>
+            </a:r>
+            <a:r>
+              <a:rPr lang="en-US" sz="2000" dirty="0">
                 <a:solidFill>
                   <a:srgbClr val="50DA98"/>
                 </a:solidFill>
                 <a:effectLst/>
                 <a:latin typeface="Consolas" panose="020B0609020204030204" pitchFamily="49" charset="0"/>
               </a:rPr>
-              <a:t>names</a:t>
-            </a:r>
-            <a:r>
-              <a:rPr lang="es-MX" b="0" dirty="0" err="1">
-                <a:solidFill>
-                  <a:srgbClr val="61AFEF"/>
-                </a:solidFill>
-                <a:effectLst/>
-                <a:latin typeface="Consolas" panose="020B0609020204030204" pitchFamily="49" charset="0"/>
-              </a:rPr>
-              <a:t>.</a:t>
-            </a:r>
-            <a:r>
-              <a:rPr lang="es-MX" b="1" dirty="0" err="1">
-                <a:solidFill>
-                  <a:srgbClr val="50DA98"/>
-                </a:solidFill>
-                <a:effectLst/>
-                <a:latin typeface="Consolas" panose="020B0609020204030204" pitchFamily="49" charset="0"/>
-              </a:rPr>
-              <a:t>forEach</a:t>
-            </a:r>
-            <a:r>
-              <a:rPr lang="es-MX" b="0" dirty="0">
+              <a:t>array</a:t>
+            </a:r>
+            <a:r>
+              <a:rPr lang="en-US" sz="2000" dirty="0">
                 <a:solidFill>
                   <a:srgbClr val="CED5E5"/>
                 </a:solidFill>
                 <a:effectLst/>
                 <a:latin typeface="Consolas" panose="020B0609020204030204" pitchFamily="49" charset="0"/>
               </a:rPr>
-              <a:t>(</a:t>
-            </a:r>
-            <a:r>
-              <a:rPr lang="es-MX" b="1" dirty="0" err="1">
-                <a:solidFill>
-                  <a:srgbClr val="CE21C5"/>
-                </a:solidFill>
-                <a:effectLst/>
-                <a:latin typeface="Consolas" panose="020B0609020204030204" pitchFamily="49" charset="0"/>
-              </a:rPr>
-              <a:t>function</a:t>
-            </a:r>
-            <a:r>
-              <a:rPr lang="es-MX" b="0" dirty="0">
+              <a:t>.length; </a:t>
+            </a:r>
+            <a:r>
+              <a:rPr lang="en-US" sz="2000" dirty="0" err="1">
+                <a:solidFill>
+                  <a:srgbClr val="FB467B"/>
+                </a:solidFill>
+                <a:effectLst/>
+                <a:latin typeface="Consolas" panose="020B0609020204030204" pitchFamily="49" charset="0"/>
+              </a:rPr>
+              <a:t>i</a:t>
+            </a:r>
+            <a:r>
+              <a:rPr lang="en-US" sz="2000" dirty="0">
+                <a:solidFill>
+                  <a:srgbClr val="56D6D6"/>
+                </a:solidFill>
+                <a:effectLst/>
+                <a:latin typeface="Consolas" panose="020B0609020204030204" pitchFamily="49" charset="0"/>
+              </a:rPr>
+              <a:t>++</a:t>
+            </a:r>
+            <a:r>
+              <a:rPr lang="en-US" sz="2000" dirty="0">
                 <a:solidFill>
                   <a:srgbClr val="CED5E5"/>
                 </a:solidFill>
                 <a:effectLst/>
                 <a:latin typeface="Consolas" panose="020B0609020204030204" pitchFamily="49" charset="0"/>
               </a:rPr>
+              <a:t>) {</a:t>
+            </a:r>
+          </a:p>
+          <a:p>
+            <a:r>
+              <a:rPr lang="en-US" sz="2000" dirty="0">
+                <a:solidFill>
+                  <a:srgbClr val="CED5E5"/>
+                </a:solidFill>
+                <a:effectLst/>
+                <a:latin typeface="Consolas" panose="020B0609020204030204" pitchFamily="49" charset="0"/>
+              </a:rPr>
+              <a:t>    </a:t>
+            </a:r>
+            <a:r>
+              <a:rPr lang="en-US" sz="2000" dirty="0">
+                <a:solidFill>
+                  <a:schemeClr val="accent3">
+                    <a:lumMod val="60000"/>
+                    <a:lumOff val="40000"/>
+                  </a:schemeClr>
+                </a:solidFill>
+                <a:effectLst/>
+                <a:latin typeface="Consolas" panose="020B0609020204030204" pitchFamily="49" charset="0"/>
+              </a:rPr>
+              <a:t>const</a:t>
+            </a:r>
+            <a:r>
+              <a:rPr lang="en-US" sz="2000" dirty="0">
+                <a:solidFill>
+                  <a:srgbClr val="CED5E5"/>
+                </a:solidFill>
+                <a:effectLst/>
+                <a:latin typeface="Consolas" panose="020B0609020204030204" pitchFamily="49" charset="0"/>
+              </a:rPr>
+              <a:t> </a:t>
+            </a:r>
+            <a:r>
+              <a:rPr lang="en-US" sz="2000" dirty="0">
+                <a:solidFill>
+                  <a:srgbClr val="FB467B"/>
+                </a:solidFill>
+                <a:effectLst/>
+                <a:latin typeface="Consolas" panose="020B0609020204030204" pitchFamily="49" charset="0"/>
+              </a:rPr>
+              <a:t>element</a:t>
+            </a:r>
+            <a:r>
+              <a:rPr lang="en-US" sz="2000" dirty="0">
+                <a:solidFill>
+                  <a:srgbClr val="CED5E5"/>
+                </a:solidFill>
+                <a:effectLst/>
+                <a:latin typeface="Consolas" panose="020B0609020204030204" pitchFamily="49" charset="0"/>
+              </a:rPr>
+              <a:t> </a:t>
+            </a:r>
+            <a:r>
+              <a:rPr lang="en-US" sz="2000" dirty="0">
+                <a:solidFill>
+                  <a:srgbClr val="56D6D6"/>
+                </a:solidFill>
+                <a:effectLst/>
+                <a:latin typeface="Consolas" panose="020B0609020204030204" pitchFamily="49" charset="0"/>
+              </a:rPr>
+              <a:t>=</a:t>
+            </a:r>
+            <a:r>
+              <a:rPr lang="en-US" sz="2000" dirty="0">
+                <a:solidFill>
+                  <a:srgbClr val="CED5E5"/>
+                </a:solidFill>
+                <a:effectLst/>
+                <a:latin typeface="Consolas" panose="020B0609020204030204" pitchFamily="49" charset="0"/>
+              </a:rPr>
+              <a:t> </a:t>
+            </a:r>
+            <a:r>
+              <a:rPr lang="en-US" sz="2000" dirty="0">
+                <a:solidFill>
+                  <a:srgbClr val="FB467B"/>
+                </a:solidFill>
+                <a:effectLst/>
+                <a:latin typeface="Consolas" panose="020B0609020204030204" pitchFamily="49" charset="0"/>
+              </a:rPr>
+              <a:t>array</a:t>
+            </a:r>
+            <a:r>
+              <a:rPr lang="en-US" sz="2000" dirty="0">
+                <a:solidFill>
+                  <a:srgbClr val="CED5E5"/>
+                </a:solidFill>
+                <a:effectLst/>
+                <a:latin typeface="Consolas" panose="020B0609020204030204" pitchFamily="49" charset="0"/>
+              </a:rPr>
+              <a:t>[</a:t>
+            </a:r>
+            <a:r>
+              <a:rPr lang="en-US" sz="2000" dirty="0" err="1">
+                <a:solidFill>
+                  <a:srgbClr val="FB467B"/>
+                </a:solidFill>
+                <a:effectLst/>
+                <a:latin typeface="Consolas" panose="020B0609020204030204" pitchFamily="49" charset="0"/>
+              </a:rPr>
+              <a:t>i</a:t>
+            </a:r>
+            <a:r>
+              <a:rPr lang="en-US" sz="2000" dirty="0">
+                <a:solidFill>
+                  <a:srgbClr val="CED5E5"/>
+                </a:solidFill>
+                <a:effectLst/>
+                <a:latin typeface="Consolas" panose="020B0609020204030204" pitchFamily="49" charset="0"/>
+              </a:rPr>
+              <a:t>];</a:t>
+            </a:r>
+          </a:p>
+          <a:p>
+            <a:r>
+              <a:rPr lang="en-US" sz="2000" dirty="0">
+                <a:solidFill>
+                  <a:srgbClr val="CED5E5"/>
+                </a:solidFill>
+                <a:effectLst/>
+                <a:latin typeface="Consolas" panose="020B0609020204030204" pitchFamily="49" charset="0"/>
+              </a:rPr>
+              <a:t>}</a:t>
+            </a:r>
+          </a:p>
+          <a:p>
+            <a:endParaRPr lang="es-MX" sz="2000" dirty="0"/>
+          </a:p>
+          <a:p>
+            <a:endParaRPr lang="es-MX" sz="2000" dirty="0"/>
+          </a:p>
+          <a:p>
+            <a:r>
+              <a:rPr lang="es-MX" sz="2000" dirty="0" err="1">
+                <a:solidFill>
+                  <a:srgbClr val="00B050"/>
+                </a:solidFill>
+                <a:effectLst/>
+                <a:latin typeface="Consolas" panose="020B0609020204030204" pitchFamily="49" charset="0"/>
+              </a:rPr>
+              <a:t>if</a:t>
+            </a:r>
+            <a:r>
+              <a:rPr lang="es-MX" sz="2000" dirty="0">
+                <a:solidFill>
+                  <a:srgbClr val="CED5E5"/>
+                </a:solidFill>
+                <a:effectLst/>
+                <a:latin typeface="Consolas" panose="020B0609020204030204" pitchFamily="49" charset="0"/>
+              </a:rPr>
               <a:t> (</a:t>
             </a:r>
             <a:r>
-              <a:rPr lang="es-MX" b="0" i="1" dirty="0">
-                <a:solidFill>
-                  <a:srgbClr val="FFCC00"/>
-                </a:solidFill>
-                <a:effectLst/>
-                <a:latin typeface="Consolas" panose="020B0609020204030204" pitchFamily="49" charset="0"/>
-              </a:rPr>
-              <a:t>elemento</a:t>
-            </a:r>
-            <a:r>
-              <a:rPr lang="es-MX" b="0" dirty="0">
+              <a:rPr lang="es-MX" sz="2000" dirty="0" err="1">
+                <a:solidFill>
+                  <a:srgbClr val="FFFF00"/>
+                </a:solidFill>
+                <a:effectLst/>
+                <a:latin typeface="Consolas" panose="020B0609020204030204" pitchFamily="49" charset="0"/>
+              </a:rPr>
+              <a:t>condition</a:t>
+            </a:r>
+            <a:r>
+              <a:rPr lang="es-MX" sz="2000" dirty="0">
                 <a:solidFill>
                   <a:srgbClr val="CED5E5"/>
                 </a:solidFill>
                 <a:effectLst/>
                 <a:latin typeface="Consolas" panose="020B0609020204030204" pitchFamily="49" charset="0"/>
               </a:rPr>
-              <a:t>, </a:t>
-            </a:r>
-            <a:r>
-              <a:rPr lang="es-MX" b="0" i="1" dirty="0" err="1">
-                <a:solidFill>
-                  <a:srgbClr val="FFCC00"/>
-                </a:solidFill>
-                <a:effectLst/>
-                <a:latin typeface="Consolas" panose="020B0609020204030204" pitchFamily="49" charset="0"/>
-              </a:rPr>
-              <a:t>index</a:t>
-            </a:r>
-            <a:r>
-              <a:rPr lang="es-MX" b="0" dirty="0">
+              <a:t>) {</a:t>
+            </a:r>
+          </a:p>
+          <a:p>
+            <a:r>
+              <a:rPr lang="es-MX" sz="2000" dirty="0">
                 <a:solidFill>
                   <a:srgbClr val="CED5E5"/>
                 </a:solidFill>
                 <a:effectLst/>
                 <a:latin typeface="Consolas" panose="020B0609020204030204" pitchFamily="49" charset="0"/>
               </a:rPr>
-              <a:t>, </a:t>
-            </a:r>
-            <a:r>
-              <a:rPr lang="es-MX" b="0" i="1" dirty="0" err="1">
-                <a:solidFill>
-                  <a:srgbClr val="FFCC00"/>
-                </a:solidFill>
-                <a:effectLst/>
-                <a:latin typeface="Consolas" panose="020B0609020204030204" pitchFamily="49" charset="0"/>
-              </a:rPr>
-              <a:t>arr</a:t>
-            </a:r>
-            <a:r>
-              <a:rPr lang="es-MX" b="0" dirty="0">
+              <a:t>    </a:t>
+            </a:r>
+          </a:p>
+          <a:p>
+            <a:r>
+              <a:rPr lang="es-MX" sz="2000" dirty="0">
                 <a:solidFill>
                   <a:srgbClr val="CED5E5"/>
                 </a:solidFill>
                 <a:effectLst/>
                 <a:latin typeface="Consolas" panose="020B0609020204030204" pitchFamily="49" charset="0"/>
               </a:rPr>
-              <a:t>) {</a:t>
-            </a:r>
-          </a:p>
-          <a:p>
-            <a:r>
-              <a:rPr lang="es-MX" b="0" dirty="0">
+              <a:t>} </a:t>
+            </a:r>
+            <a:r>
+              <a:rPr lang="es-MX" sz="2000" dirty="0" err="1">
+                <a:solidFill>
+                  <a:srgbClr val="00B050"/>
+                </a:solidFill>
+                <a:effectLst/>
+                <a:latin typeface="Consolas" panose="020B0609020204030204" pitchFamily="49" charset="0"/>
+              </a:rPr>
+              <a:t>else</a:t>
+            </a:r>
+            <a:r>
+              <a:rPr lang="es-MX" sz="2000" dirty="0">
                 <a:solidFill>
                   <a:srgbClr val="CED5E5"/>
                 </a:solidFill>
                 <a:effectLst/>
                 <a:latin typeface="Consolas" panose="020B0609020204030204" pitchFamily="49" charset="0"/>
               </a:rPr>
+              <a:t> {</a:t>
+            </a:r>
+          </a:p>
+          <a:p>
+            <a:r>
+              <a:rPr lang="es-MX" sz="2000" dirty="0">
+                <a:solidFill>
+                  <a:srgbClr val="CED5E5"/>
+                </a:solidFill>
+                <a:effectLst/>
+                <a:latin typeface="Consolas" panose="020B0609020204030204" pitchFamily="49" charset="0"/>
+              </a:rPr>
               <a:t>    </a:t>
             </a:r>
-            <a:r>
-              <a:rPr lang="es-MX" b="0" dirty="0">
-                <a:solidFill>
-                  <a:srgbClr val="50DA98"/>
-                </a:solidFill>
-                <a:effectLst/>
-                <a:latin typeface="Consolas" panose="020B0609020204030204" pitchFamily="49" charset="0"/>
-              </a:rPr>
-              <a:t>console</a:t>
-            </a:r>
-            <a:r>
-              <a:rPr lang="es-MX" b="0" dirty="0">
-                <a:solidFill>
-                  <a:srgbClr val="61AFEF"/>
-                </a:solidFill>
-                <a:effectLst/>
-                <a:latin typeface="Consolas" panose="020B0609020204030204" pitchFamily="49" charset="0"/>
-              </a:rPr>
-              <a:t>.</a:t>
-            </a:r>
-            <a:r>
-              <a:rPr lang="es-MX" b="1" dirty="0">
-                <a:solidFill>
-                  <a:srgbClr val="50DA98"/>
-                </a:solidFill>
-                <a:effectLst/>
-                <a:latin typeface="Consolas" panose="020B0609020204030204" pitchFamily="49" charset="0"/>
-              </a:rPr>
-              <a:t>log</a:t>
-            </a:r>
-            <a:r>
-              <a:rPr lang="es-MX" b="0" dirty="0">
+          </a:p>
+          <a:p>
+            <a:r>
+              <a:rPr lang="es-MX" sz="2000" dirty="0">
                 <a:solidFill>
                   <a:srgbClr val="CED5E5"/>
                 </a:solidFill>
                 <a:effectLst/>
                 <a:latin typeface="Consolas" panose="020B0609020204030204" pitchFamily="49" charset="0"/>
               </a:rPr>
-              <a:t>(</a:t>
-            </a:r>
-            <a:r>
-              <a:rPr lang="es-MX" b="0" dirty="0">
-                <a:solidFill>
-                  <a:srgbClr val="FB467B"/>
-                </a:solidFill>
-                <a:effectLst/>
-                <a:latin typeface="Consolas" panose="020B0609020204030204" pitchFamily="49" charset="0"/>
-              </a:rPr>
-              <a:t>elemento</a:t>
-            </a:r>
-            <a:r>
-              <a:rPr lang="es-MX" b="0" dirty="0">
+              <a:t>}</a:t>
+            </a:r>
+          </a:p>
+          <a:p>
+            <a:br>
+              <a:rPr lang="es-MX" sz="2000" dirty="0">
                 <a:solidFill>
                   <a:srgbClr val="CED5E5"/>
                 </a:solidFill>
                 <a:effectLst/>
                 <a:latin typeface="Consolas" panose="020B0609020204030204" pitchFamily="49" charset="0"/>
               </a:rPr>
-              <a:t>); //Valor </a:t>
-            </a:r>
-          </a:p>
-          <a:p>
-            <a:r>
-              <a:rPr lang="es-MX" b="0" dirty="0">
-                <a:solidFill>
-                  <a:srgbClr val="CED5E5"/>
-                </a:solidFill>
-                <a:effectLst/>
-                <a:latin typeface="Consolas" panose="020B0609020204030204" pitchFamily="49" charset="0"/>
-              </a:rPr>
-              <a:t>    </a:t>
-            </a:r>
-            <a:r>
-              <a:rPr lang="es-MX" b="0" dirty="0">
-                <a:solidFill>
-                  <a:srgbClr val="50DA98"/>
-                </a:solidFill>
-                <a:effectLst/>
-                <a:latin typeface="Consolas" panose="020B0609020204030204" pitchFamily="49" charset="0"/>
-              </a:rPr>
-              <a:t>console</a:t>
-            </a:r>
-            <a:r>
-              <a:rPr lang="es-MX" b="0" dirty="0">
-                <a:solidFill>
-                  <a:srgbClr val="61AFEF"/>
-                </a:solidFill>
-                <a:effectLst/>
-                <a:latin typeface="Consolas" panose="020B0609020204030204" pitchFamily="49" charset="0"/>
-              </a:rPr>
-              <a:t>.</a:t>
-            </a:r>
-            <a:r>
-              <a:rPr lang="es-MX" b="1" dirty="0">
-                <a:solidFill>
-                  <a:srgbClr val="50DA98"/>
-                </a:solidFill>
-                <a:effectLst/>
-                <a:latin typeface="Consolas" panose="020B0609020204030204" pitchFamily="49" charset="0"/>
-              </a:rPr>
-              <a:t>log</a:t>
-            </a:r>
-            <a:r>
-              <a:rPr lang="es-MX" b="0" dirty="0">
-                <a:solidFill>
-                  <a:srgbClr val="CED5E5"/>
-                </a:solidFill>
-                <a:effectLst/>
-                <a:latin typeface="Consolas" panose="020B0609020204030204" pitchFamily="49" charset="0"/>
-              </a:rPr>
-              <a:t>(</a:t>
-            </a:r>
-            <a:r>
-              <a:rPr lang="es-MX" b="0" dirty="0" err="1">
-                <a:solidFill>
-                  <a:srgbClr val="FB467B"/>
-                </a:solidFill>
-                <a:effectLst/>
-                <a:latin typeface="Consolas" panose="020B0609020204030204" pitchFamily="49" charset="0"/>
-              </a:rPr>
-              <a:t>index</a:t>
-            </a:r>
-            <a:r>
-              <a:rPr lang="es-MX" b="0" dirty="0">
-                <a:solidFill>
-                  <a:srgbClr val="CED5E5"/>
-                </a:solidFill>
-                <a:effectLst/>
-                <a:latin typeface="Consolas" panose="020B0609020204030204" pitchFamily="49" charset="0"/>
-              </a:rPr>
-              <a:t>); //Posición del </a:t>
-            </a:r>
-            <a:r>
-              <a:rPr lang="es-MX" b="0" dirty="0" err="1">
-                <a:solidFill>
-                  <a:srgbClr val="CED5E5"/>
-                </a:solidFill>
-                <a:effectLst/>
-                <a:latin typeface="Consolas" panose="020B0609020204030204" pitchFamily="49" charset="0"/>
-              </a:rPr>
-              <a:t>indice</a:t>
-            </a:r>
-            <a:endParaRPr lang="es-MX" b="0" dirty="0">
+            </a:br>
+            <a:endParaRPr lang="es-MX" sz="2000" dirty="0">
               <a:solidFill>
                 <a:srgbClr val="CED5E5"/>
               </a:solidFill>
@@ -9174,369 +9903,145 @@
           </a:p>
           <a:p>
             <a:r>
-              <a:rPr lang="es-MX" b="0" dirty="0">
+              <a:rPr lang="es-MX" sz="2000" dirty="0" err="1">
+                <a:solidFill>
+                  <a:srgbClr val="0070C0"/>
+                </a:solidFill>
+                <a:effectLst/>
+                <a:latin typeface="Consolas" panose="020B0609020204030204" pitchFamily="49" charset="0"/>
+              </a:rPr>
+              <a:t>while</a:t>
+            </a:r>
+            <a:r>
+              <a:rPr lang="es-MX" sz="2000" dirty="0">
                 <a:solidFill>
                   <a:srgbClr val="CED5E5"/>
                 </a:solidFill>
                 <a:effectLst/>
                 <a:latin typeface="Consolas" panose="020B0609020204030204" pitchFamily="49" charset="0"/>
               </a:rPr>
+              <a:t> (</a:t>
+            </a:r>
+            <a:r>
+              <a:rPr lang="es-MX" sz="2000" dirty="0" err="1">
+                <a:solidFill>
+                  <a:schemeClr val="accent6">
+                    <a:lumMod val="60000"/>
+                    <a:lumOff val="40000"/>
+                  </a:schemeClr>
+                </a:solidFill>
+                <a:effectLst/>
+                <a:latin typeface="Consolas" panose="020B0609020204030204" pitchFamily="49" charset="0"/>
+              </a:rPr>
+              <a:t>condition</a:t>
+            </a:r>
+            <a:r>
+              <a:rPr lang="es-MX" sz="2000" dirty="0">
+                <a:solidFill>
+                  <a:srgbClr val="CED5E5"/>
+                </a:solidFill>
+                <a:effectLst/>
+                <a:latin typeface="Consolas" panose="020B0609020204030204" pitchFamily="49" charset="0"/>
+              </a:rPr>
+              <a:t>) {</a:t>
+            </a:r>
+          </a:p>
+          <a:p>
+            <a:r>
+              <a:rPr lang="es-MX" sz="2000" dirty="0">
+                <a:solidFill>
+                  <a:srgbClr val="CED5E5"/>
+                </a:solidFill>
+                <a:effectLst/>
+                <a:latin typeface="Consolas" panose="020B0609020204030204" pitchFamily="49" charset="0"/>
+              </a:rPr>
               <a:t>    </a:t>
             </a:r>
-            <a:r>
-              <a:rPr lang="es-MX" b="0" dirty="0">
-                <a:solidFill>
-                  <a:srgbClr val="50DA98"/>
-                </a:solidFill>
-                <a:effectLst/>
-                <a:latin typeface="Consolas" panose="020B0609020204030204" pitchFamily="49" charset="0"/>
-              </a:rPr>
-              <a:t>console</a:t>
-            </a:r>
-            <a:r>
-              <a:rPr lang="es-MX" b="0" dirty="0">
-                <a:solidFill>
-                  <a:srgbClr val="61AFEF"/>
-                </a:solidFill>
-                <a:effectLst/>
-                <a:latin typeface="Consolas" panose="020B0609020204030204" pitchFamily="49" charset="0"/>
-              </a:rPr>
-              <a:t>.</a:t>
-            </a:r>
-            <a:r>
-              <a:rPr lang="es-MX" b="1" dirty="0">
-                <a:solidFill>
-                  <a:srgbClr val="50DA98"/>
-                </a:solidFill>
-                <a:effectLst/>
-                <a:latin typeface="Consolas" panose="020B0609020204030204" pitchFamily="49" charset="0"/>
-              </a:rPr>
-              <a:t>log</a:t>
-            </a:r>
-            <a:r>
-              <a:rPr lang="es-MX" b="0" dirty="0">
+          </a:p>
+          <a:p>
+            <a:r>
+              <a:rPr lang="es-MX" sz="2000" dirty="0">
                 <a:solidFill>
                   <a:srgbClr val="CED5E5"/>
                 </a:solidFill>
                 <a:effectLst/>
                 <a:latin typeface="Consolas" panose="020B0609020204030204" pitchFamily="49" charset="0"/>
               </a:rPr>
+              <a:t>}</a:t>
+            </a:r>
+          </a:p>
+          <a:p>
+            <a:r>
+              <a:rPr lang="es-MX" sz="2000" dirty="0">
+                <a:latin typeface="Consolas" panose="020B0609020204030204" pitchFamily="49" charset="0"/>
+              </a:rPr>
+              <a:t>Hacer </a:t>
+            </a:r>
+            <a:r>
+              <a:rPr lang="es-MX" sz="2000" dirty="0" err="1">
+                <a:latin typeface="Consolas" panose="020B0609020204030204" pitchFamily="49" charset="0"/>
+              </a:rPr>
+              <a:t>while</a:t>
+            </a:r>
+            <a:r>
+              <a:rPr lang="es-MX" sz="2000" dirty="0">
+                <a:latin typeface="Consolas" panose="020B0609020204030204" pitchFamily="49" charset="0"/>
+              </a:rPr>
+              <a:t> sea infinito </a:t>
+            </a:r>
+            <a:r>
+              <a:rPr lang="es-MX" sz="2000" dirty="0" err="1">
+                <a:solidFill>
+                  <a:schemeClr val="accent6">
+                    <a:lumMod val="75000"/>
+                  </a:schemeClr>
+                </a:solidFill>
+                <a:latin typeface="Consolas" panose="020B0609020204030204" pitchFamily="49" charset="0"/>
+              </a:rPr>
+              <a:t>while</a:t>
+            </a:r>
+            <a:r>
+              <a:rPr lang="es-MX" sz="2000" dirty="0">
+                <a:solidFill>
+                  <a:schemeClr val="accent3">
+                    <a:lumMod val="60000"/>
+                    <a:lumOff val="40000"/>
+                  </a:schemeClr>
+                </a:solidFill>
+                <a:latin typeface="Consolas" panose="020B0609020204030204" pitchFamily="49" charset="0"/>
+              </a:rPr>
               <a:t>(</a:t>
             </a:r>
             <a:r>
-              <a:rPr lang="es-MX" b="0" dirty="0" err="1">
-                <a:solidFill>
-                  <a:srgbClr val="FB467B"/>
-                </a:solidFill>
-                <a:effectLst/>
-                <a:latin typeface="Consolas" panose="020B0609020204030204" pitchFamily="49" charset="0"/>
-              </a:rPr>
-              <a:t>arr</a:t>
-            </a:r>
-            <a:r>
-              <a:rPr lang="es-MX" b="0" dirty="0">
-                <a:solidFill>
-                  <a:srgbClr val="CED5E5"/>
-                </a:solidFill>
-                <a:effectLst/>
-                <a:latin typeface="Consolas" panose="020B0609020204030204" pitchFamily="49" charset="0"/>
-              </a:rPr>
-              <a:t>); //Arreglo completo</a:t>
-            </a:r>
-          </a:p>
-          <a:p>
-            <a:r>
-              <a:rPr lang="es-MX" b="0" dirty="0">
-                <a:solidFill>
-                  <a:srgbClr val="CED5E5"/>
-                </a:solidFill>
-                <a:effectLst/>
-                <a:latin typeface="Consolas" panose="020B0609020204030204" pitchFamily="49" charset="0"/>
-              </a:rPr>
-              <a:t>});</a:t>
-            </a:r>
-          </a:p>
-          <a:p>
-            <a:pPr marL="0" indent="0">
-              <a:buNone/>
-            </a:pPr>
-            <a:endParaRPr lang="es-MX" dirty="0"/>
-          </a:p>
-          <a:p>
-            <a:pPr marL="0" indent="0">
-              <a:buNone/>
-            </a:pPr>
-            <a:r>
-              <a:rPr lang="es-MX" dirty="0"/>
-              <a:t>//Operador Ternario</a:t>
-            </a:r>
-          </a:p>
-          <a:p>
-            <a:pPr marL="0" indent="0">
-              <a:buNone/>
-            </a:pPr>
-            <a:r>
-              <a:rPr lang="es-MX" b="0" i="0" dirty="0">
-                <a:solidFill>
-                  <a:srgbClr val="00A67D"/>
-                </a:solidFill>
-                <a:effectLst/>
-                <a:latin typeface="Söhne Mono"/>
-              </a:rPr>
-              <a:t>condición</a:t>
-            </a:r>
-            <a:r>
-              <a:rPr lang="es-MX" b="0" i="0" dirty="0">
-                <a:solidFill>
-                  <a:srgbClr val="FFFFFF"/>
-                </a:solidFill>
-                <a:effectLst/>
-                <a:latin typeface="Söhne Mono"/>
-              </a:rPr>
-              <a:t> </a:t>
-            </a:r>
-            <a:r>
-              <a:rPr lang="es-MX" b="0" i="0" dirty="0">
-                <a:solidFill>
-                  <a:srgbClr val="00A67D"/>
-                </a:solidFill>
-                <a:effectLst/>
-                <a:latin typeface="Söhne Mono"/>
-              </a:rPr>
-              <a:t>?</a:t>
-            </a:r>
-            <a:r>
-              <a:rPr lang="es-MX" b="0" i="0" dirty="0">
-                <a:solidFill>
-                  <a:srgbClr val="FFFFFF"/>
-                </a:solidFill>
-                <a:effectLst/>
-                <a:latin typeface="Söhne Mono"/>
-              </a:rPr>
-              <a:t> </a:t>
-            </a:r>
-            <a:r>
-              <a:rPr lang="es-MX" b="0" i="0" dirty="0" err="1">
-                <a:solidFill>
-                  <a:srgbClr val="DF3079"/>
-                </a:solidFill>
-                <a:effectLst/>
-                <a:latin typeface="Söhne Mono"/>
-              </a:rPr>
-              <a:t>valorSiVerdadero</a:t>
-            </a:r>
-            <a:r>
-              <a:rPr lang="es-MX" b="0" i="0" dirty="0">
-                <a:solidFill>
-                  <a:srgbClr val="DF3079"/>
-                </a:solidFill>
-                <a:effectLst/>
-                <a:latin typeface="Söhne Mono"/>
-              </a:rPr>
-              <a:t> :</a:t>
-            </a:r>
-            <a:r>
-              <a:rPr lang="es-MX" b="0" i="0" dirty="0">
-                <a:solidFill>
-                  <a:srgbClr val="FFFFFF"/>
-                </a:solidFill>
-                <a:effectLst/>
-                <a:latin typeface="Söhne Mono"/>
-              </a:rPr>
-              <a:t> </a:t>
-            </a:r>
-            <a:r>
-              <a:rPr lang="es-MX" b="0" i="0" dirty="0" err="1">
-                <a:solidFill>
-                  <a:srgbClr val="00A67D"/>
-                </a:solidFill>
-                <a:effectLst/>
-                <a:latin typeface="Söhne Mono"/>
-              </a:rPr>
-              <a:t>valorSiFalso</a:t>
-            </a:r>
-            <a:endParaRPr lang="es-MX" b="0" i="0" dirty="0">
-              <a:solidFill>
-                <a:srgbClr val="00A67D"/>
-              </a:solidFill>
-              <a:effectLst/>
-              <a:latin typeface="Söhne Mono"/>
-            </a:endParaRPr>
-          </a:p>
-          <a:p>
-            <a:pPr marL="0" indent="0">
-              <a:buNone/>
-            </a:pPr>
-            <a:r>
-              <a:rPr lang="es-MX" b="1" dirty="0" err="1">
-                <a:solidFill>
-                  <a:srgbClr val="CE21C5"/>
-                </a:solidFill>
-                <a:effectLst/>
-                <a:latin typeface="Consolas" panose="020B0609020204030204" pitchFamily="49" charset="0"/>
-              </a:rPr>
-              <a:t>return</a:t>
-            </a:r>
-            <a:r>
-              <a:rPr lang="es-MX" b="0" dirty="0">
-                <a:solidFill>
-                  <a:srgbClr val="CED5E5"/>
-                </a:solidFill>
-                <a:effectLst/>
-                <a:latin typeface="Consolas" panose="020B0609020204030204" pitchFamily="49" charset="0"/>
-              </a:rPr>
-              <a:t> </a:t>
-            </a:r>
-            <a:r>
-              <a:rPr lang="es-MX" b="0" dirty="0">
-                <a:solidFill>
-                  <a:srgbClr val="FB467B"/>
-                </a:solidFill>
-                <a:effectLst/>
-                <a:latin typeface="Consolas" panose="020B0609020204030204" pitchFamily="49" charset="0"/>
-              </a:rPr>
-              <a:t>p</a:t>
-            </a:r>
-            <a:r>
-              <a:rPr lang="es-MX" b="1" dirty="0">
-                <a:solidFill>
-                  <a:srgbClr val="56D6D6"/>
-                </a:solidFill>
-                <a:effectLst/>
-                <a:latin typeface="Consolas" panose="020B0609020204030204" pitchFamily="49" charset="0"/>
-              </a:rPr>
-              <a:t>&gt;</a:t>
-            </a:r>
-            <a:r>
-              <a:rPr lang="es-MX" b="0" dirty="0">
-                <a:solidFill>
-                  <a:srgbClr val="FB467B"/>
-                </a:solidFill>
-                <a:effectLst/>
-                <a:latin typeface="Consolas" panose="020B0609020204030204" pitchFamily="49" charset="0"/>
-              </a:rPr>
-              <a:t>n</a:t>
-            </a:r>
-            <a:r>
-              <a:rPr lang="es-MX" b="0" dirty="0">
-                <a:solidFill>
-                  <a:srgbClr val="CED5E5"/>
-                </a:solidFill>
-                <a:effectLst/>
-                <a:latin typeface="Consolas" panose="020B0609020204030204" pitchFamily="49" charset="0"/>
-              </a:rPr>
-              <a:t> </a:t>
-            </a:r>
-            <a:r>
-              <a:rPr lang="es-MX" b="1" dirty="0">
-                <a:solidFill>
-                  <a:srgbClr val="56D6D6"/>
-                </a:solidFill>
-                <a:effectLst/>
-                <a:latin typeface="Consolas" panose="020B0609020204030204" pitchFamily="49" charset="0"/>
-              </a:rPr>
-              <a:t>?</a:t>
-            </a:r>
-            <a:r>
-              <a:rPr lang="es-MX" b="0" dirty="0">
-                <a:solidFill>
-                  <a:srgbClr val="CED5E5"/>
-                </a:solidFill>
-                <a:effectLst/>
-                <a:latin typeface="Consolas" panose="020B0609020204030204" pitchFamily="49" charset="0"/>
-              </a:rPr>
-              <a:t> </a:t>
-            </a:r>
-            <a:r>
-              <a:rPr lang="es-MX" b="0" i="1" dirty="0">
-                <a:solidFill>
-                  <a:srgbClr val="C3E88D"/>
-                </a:solidFill>
-                <a:effectLst/>
-                <a:latin typeface="Consolas" panose="020B0609020204030204" pitchFamily="49" charset="0"/>
-              </a:rPr>
-              <a:t>"</a:t>
-            </a:r>
-            <a:r>
-              <a:rPr lang="es-MX" b="0" i="1" dirty="0" err="1">
-                <a:solidFill>
-                  <a:srgbClr val="C3E88D"/>
-                </a:solidFill>
-                <a:effectLst/>
-                <a:latin typeface="Consolas" panose="020B0609020204030204" pitchFamily="49" charset="0"/>
-              </a:rPr>
-              <a:t>positivo"</a:t>
-            </a:r>
-            <a:r>
-              <a:rPr lang="es-MX" b="1" dirty="0" err="1">
-                <a:solidFill>
-                  <a:srgbClr val="56D6D6"/>
-                </a:solidFill>
-                <a:effectLst/>
-                <a:latin typeface="Consolas" panose="020B0609020204030204" pitchFamily="49" charset="0"/>
-              </a:rPr>
-              <a:t>:</a:t>
-            </a:r>
-            <a:r>
-              <a:rPr lang="es-MX" b="0" i="1" dirty="0" err="1">
-                <a:solidFill>
-                  <a:srgbClr val="C3E88D"/>
-                </a:solidFill>
-                <a:effectLst/>
-                <a:latin typeface="Consolas" panose="020B0609020204030204" pitchFamily="49" charset="0"/>
-              </a:rPr>
-              <a:t>"negativo</a:t>
-            </a:r>
-            <a:r>
-              <a:rPr lang="es-MX" b="0" i="1" dirty="0">
-                <a:solidFill>
-                  <a:srgbClr val="C3E88D"/>
-                </a:solidFill>
-                <a:effectLst/>
-                <a:latin typeface="Consolas" panose="020B0609020204030204" pitchFamily="49" charset="0"/>
-              </a:rPr>
-              <a:t>"</a:t>
-            </a:r>
-            <a:endParaRPr lang="es-MX" b="0" dirty="0">
-              <a:solidFill>
-                <a:srgbClr val="CED5E5"/>
-              </a:solidFill>
-              <a:effectLst/>
-              <a:latin typeface="Consolas" panose="020B0609020204030204" pitchFamily="49" charset="0"/>
-            </a:endParaRPr>
-          </a:p>
-          <a:p>
-            <a:pPr marL="0" indent="0">
-              <a:buNone/>
-            </a:pPr>
-            <a:endParaRPr lang="es-MX" dirty="0">
-              <a:solidFill>
-                <a:srgbClr val="00A67D"/>
-              </a:solidFill>
-              <a:latin typeface="Söhne Mono"/>
-            </a:endParaRPr>
-          </a:p>
-          <a:p>
-            <a:pPr marL="0" indent="0">
-              <a:buNone/>
-            </a:pPr>
-            <a:endParaRPr lang="es-MX" dirty="0"/>
-          </a:p>
-          <a:p>
-            <a:endParaRPr lang="es-MX" dirty="0"/>
-          </a:p>
-          <a:p>
-            <a:pPr marL="0" indent="0">
-              <a:buNone/>
-            </a:pPr>
-            <a:endParaRPr lang="es-MX" dirty="0"/>
+              <a:rPr lang="es-MX" sz="2000" dirty="0">
+                <a:solidFill>
+                  <a:schemeClr val="accent1">
+                    <a:lumMod val="75000"/>
+                  </a:schemeClr>
+                </a:solidFill>
+                <a:latin typeface="Consolas" panose="020B0609020204030204" pitchFamily="49" charset="0"/>
+              </a:rPr>
+              <a:t>true</a:t>
+            </a:r>
+            <a:r>
+              <a:rPr lang="es-MX" sz="2000" dirty="0">
+                <a:solidFill>
+                  <a:schemeClr val="accent3">
+                    <a:lumMod val="60000"/>
+                    <a:lumOff val="40000"/>
+                  </a:schemeClr>
+                </a:solidFill>
+                <a:latin typeface="Consolas" panose="020B0609020204030204" pitchFamily="49" charset="0"/>
+              </a:rPr>
+              <a:t>)</a:t>
+            </a:r>
           </a:p>
         </p:txBody>
       </p:sp>
     </p:spTree>
     <p:extLst>
       <p:ext uri="{BB962C8B-B14F-4D97-AF65-F5344CB8AC3E}">
-        <p14:creationId xmlns:p14="http://schemas.microsoft.com/office/powerpoint/2010/main" val="123148118"/>
+        <p14:creationId xmlns:p14="http://schemas.microsoft.com/office/powerpoint/2010/main" val="2906553810"/>
       </p:ext>
     </p:extLst>
   </p:cSld>
@@ -9568,7 +10073,7 @@
           <p:cNvPr id="3" name="Marcador de contenido 2">
             <a:extLst>
               <a:ext uri="{FF2B5EF4-FFF2-40B4-BE49-F238E27FC236}">
-                <a16:creationId xmlns:a16="http://schemas.microsoft.com/office/drawing/2014/main" id="{EE6DDDA3-F623-F234-3742-9D33E821CDF7}"/>
+                <a16:creationId xmlns:a16="http://schemas.microsoft.com/office/drawing/2014/main" id="{C79DE818-7755-8AC0-E684-F32B38AC888A}"/>
               </a:ext>
             </a:extLst>
           </p:cNvPr>
@@ -9581,870 +10086,297 @@
         </p:nvSpPr>
         <p:spPr>
           <a:xfrm>
-            <a:off x="7463118" y="1023835"/>
-            <a:ext cx="4155140" cy="5120640"/>
+            <a:off x="497541" y="432996"/>
+            <a:ext cx="10820400" cy="5282004"/>
           </a:xfrm>
-        </p:spPr>
-        <p:txBody>
-          <a:bodyPr>
-            <a:normAutofit lnSpcReduction="10000"/>
-          </a:bodyPr>
-          <a:lstStyle/>
-          <a:p>
-            <a:pPr marL="0" indent="0">
-              <a:buNone/>
-            </a:pPr>
-            <a:r>
-              <a:rPr lang="en-US" sz="2000" dirty="0">
-                <a:solidFill>
-                  <a:srgbClr val="CE21C5"/>
-                </a:solidFill>
-                <a:effectLst/>
-                <a:latin typeface="Consolas" panose="020B0609020204030204" pitchFamily="49" charset="0"/>
-                <a:cs typeface="Arial" panose="020B0604020202020204" pitchFamily="34" charset="0"/>
-              </a:rPr>
-              <a:t>switch</a:t>
-            </a:r>
-            <a:r>
-              <a:rPr lang="en-US" sz="2000" dirty="0">
-                <a:solidFill>
-                  <a:srgbClr val="CED5E5"/>
-                </a:solidFill>
-                <a:effectLst/>
-                <a:latin typeface="Consolas" panose="020B0609020204030204" pitchFamily="49" charset="0"/>
-                <a:cs typeface="Arial" panose="020B0604020202020204" pitchFamily="34" charset="0"/>
-              </a:rPr>
-              <a:t> (</a:t>
-            </a:r>
-            <a:r>
-              <a:rPr lang="en-US" sz="2000" dirty="0">
-                <a:solidFill>
-                  <a:srgbClr val="FB467B"/>
-                </a:solidFill>
-                <a:effectLst/>
-                <a:latin typeface="Consolas" panose="020B0609020204030204" pitchFamily="49" charset="0"/>
-                <a:cs typeface="Arial" panose="020B0604020202020204" pitchFamily="34" charset="0"/>
-              </a:rPr>
-              <a:t>key</a:t>
-            </a:r>
-            <a:r>
-              <a:rPr lang="en-US" sz="2000" dirty="0">
-                <a:solidFill>
-                  <a:srgbClr val="CED5E5"/>
-                </a:solidFill>
-                <a:effectLst/>
-                <a:latin typeface="Consolas" panose="020B0609020204030204" pitchFamily="49" charset="0"/>
-                <a:cs typeface="Arial" panose="020B0604020202020204" pitchFamily="34" charset="0"/>
-              </a:rPr>
-              <a:t>) {</a:t>
-            </a:r>
-          </a:p>
-          <a:p>
-            <a:pPr marL="0" indent="0">
-              <a:buNone/>
-            </a:pPr>
-            <a:r>
-              <a:rPr lang="en-US" sz="2000" dirty="0">
-                <a:solidFill>
-                  <a:srgbClr val="CED5E5"/>
-                </a:solidFill>
-                <a:effectLst/>
-                <a:latin typeface="Consolas" panose="020B0609020204030204" pitchFamily="49" charset="0"/>
-                <a:cs typeface="Arial" panose="020B0604020202020204" pitchFamily="34" charset="0"/>
-              </a:rPr>
-              <a:t>    </a:t>
-            </a:r>
-            <a:r>
-              <a:rPr lang="en-US" sz="2000" dirty="0">
-                <a:solidFill>
-                  <a:srgbClr val="CE21C5"/>
-                </a:solidFill>
-                <a:effectLst/>
-                <a:latin typeface="Consolas" panose="020B0609020204030204" pitchFamily="49" charset="0"/>
-                <a:cs typeface="Arial" panose="020B0604020202020204" pitchFamily="34" charset="0"/>
-              </a:rPr>
-              <a:t>case</a:t>
-            </a:r>
-            <a:r>
-              <a:rPr lang="en-US" sz="2000" dirty="0">
-                <a:solidFill>
-                  <a:srgbClr val="CED5E5"/>
-                </a:solidFill>
-                <a:effectLst/>
-                <a:latin typeface="Consolas" panose="020B0609020204030204" pitchFamily="49" charset="0"/>
-                <a:cs typeface="Arial" panose="020B0604020202020204" pitchFamily="34" charset="0"/>
-              </a:rPr>
-              <a:t> </a:t>
-            </a:r>
-            <a:r>
-              <a:rPr lang="en-US" sz="2000" dirty="0">
-                <a:solidFill>
-                  <a:srgbClr val="FB467B"/>
-                </a:solidFill>
-                <a:effectLst/>
-                <a:latin typeface="Consolas" panose="020B0609020204030204" pitchFamily="49" charset="0"/>
-                <a:cs typeface="Arial" panose="020B0604020202020204" pitchFamily="34" charset="0"/>
-              </a:rPr>
-              <a:t>value</a:t>
-            </a:r>
-            <a:r>
-              <a:rPr lang="en-US" sz="2000" dirty="0">
-                <a:solidFill>
-                  <a:srgbClr val="CED5E5"/>
-                </a:solidFill>
-                <a:effectLst/>
-                <a:latin typeface="Consolas" panose="020B0609020204030204" pitchFamily="49" charset="0"/>
-                <a:cs typeface="Arial" panose="020B0604020202020204" pitchFamily="34" charset="0"/>
-              </a:rPr>
-              <a:t>:</a:t>
-            </a:r>
-          </a:p>
-          <a:p>
-            <a:pPr marL="0" indent="0">
-              <a:buNone/>
-            </a:pPr>
-            <a:r>
-              <a:rPr lang="en-US" sz="2000" dirty="0">
-                <a:solidFill>
-                  <a:srgbClr val="CED5E5"/>
-                </a:solidFill>
-                <a:effectLst/>
-                <a:latin typeface="Consolas" panose="020B0609020204030204" pitchFamily="49" charset="0"/>
-                <a:cs typeface="Arial" panose="020B0604020202020204" pitchFamily="34" charset="0"/>
-              </a:rPr>
-              <a:t>        </a:t>
-            </a:r>
-            <a:r>
-              <a:rPr lang="en-US" sz="2000" dirty="0">
-                <a:solidFill>
-                  <a:srgbClr val="CE21C5"/>
-                </a:solidFill>
-                <a:effectLst/>
-                <a:latin typeface="Consolas" panose="020B0609020204030204" pitchFamily="49" charset="0"/>
-                <a:cs typeface="Arial" panose="020B0604020202020204" pitchFamily="34" charset="0"/>
-              </a:rPr>
-              <a:t>break</a:t>
-            </a:r>
-            <a:r>
-              <a:rPr lang="en-US" sz="2000" dirty="0">
-                <a:solidFill>
-                  <a:srgbClr val="CED5E5"/>
-                </a:solidFill>
-                <a:effectLst/>
-                <a:latin typeface="Consolas" panose="020B0609020204030204" pitchFamily="49" charset="0"/>
-                <a:cs typeface="Arial" panose="020B0604020202020204" pitchFamily="34" charset="0"/>
-              </a:rPr>
-              <a:t>;</a:t>
-            </a:r>
-          </a:p>
-          <a:p>
-            <a:pPr marL="0" indent="0">
-              <a:buNone/>
-            </a:pPr>
-            <a:br>
-              <a:rPr lang="en-US" sz="2000" dirty="0">
-                <a:solidFill>
-                  <a:srgbClr val="CED5E5"/>
-                </a:solidFill>
-                <a:effectLst/>
-                <a:latin typeface="Consolas" panose="020B0609020204030204" pitchFamily="49" charset="0"/>
-                <a:cs typeface="Arial" panose="020B0604020202020204" pitchFamily="34" charset="0"/>
-              </a:rPr>
-            </a:br>
-            <a:r>
-              <a:rPr lang="en-US" sz="2000" dirty="0">
-                <a:solidFill>
-                  <a:srgbClr val="CED5E5"/>
-                </a:solidFill>
-                <a:effectLst/>
-                <a:latin typeface="Consolas" panose="020B0609020204030204" pitchFamily="49" charset="0"/>
-                <a:cs typeface="Arial" panose="020B0604020202020204" pitchFamily="34" charset="0"/>
-              </a:rPr>
-              <a:t>    </a:t>
-            </a:r>
-            <a:r>
-              <a:rPr lang="en-US" sz="2000" dirty="0">
-                <a:solidFill>
-                  <a:srgbClr val="CE21C5"/>
-                </a:solidFill>
-                <a:effectLst/>
-                <a:latin typeface="Consolas" panose="020B0609020204030204" pitchFamily="49" charset="0"/>
-                <a:cs typeface="Arial" panose="020B0604020202020204" pitchFamily="34" charset="0"/>
-              </a:rPr>
-              <a:t>default</a:t>
-            </a:r>
-            <a:r>
-              <a:rPr lang="en-US" sz="2000" dirty="0">
-                <a:solidFill>
-                  <a:srgbClr val="CED5E5"/>
-                </a:solidFill>
-                <a:effectLst/>
-                <a:latin typeface="Consolas" panose="020B0609020204030204" pitchFamily="49" charset="0"/>
-                <a:cs typeface="Arial" panose="020B0604020202020204" pitchFamily="34" charset="0"/>
-              </a:rPr>
-              <a:t>:</a:t>
-            </a:r>
-          </a:p>
-          <a:p>
-            <a:pPr marL="0" indent="0">
-              <a:buNone/>
-            </a:pPr>
-            <a:r>
-              <a:rPr lang="en-US" sz="2000" dirty="0">
-                <a:solidFill>
-                  <a:srgbClr val="CED5E5"/>
-                </a:solidFill>
-                <a:effectLst/>
-                <a:latin typeface="Consolas" panose="020B0609020204030204" pitchFamily="49" charset="0"/>
-                <a:cs typeface="Arial" panose="020B0604020202020204" pitchFamily="34" charset="0"/>
-              </a:rPr>
-              <a:t>        </a:t>
-            </a:r>
-            <a:r>
-              <a:rPr lang="en-US" sz="2000" dirty="0">
-                <a:solidFill>
-                  <a:srgbClr val="CE21C5"/>
-                </a:solidFill>
-                <a:effectLst/>
-                <a:latin typeface="Consolas" panose="020B0609020204030204" pitchFamily="49" charset="0"/>
-                <a:cs typeface="Arial" panose="020B0604020202020204" pitchFamily="34" charset="0"/>
-              </a:rPr>
-              <a:t>break</a:t>
-            </a:r>
-            <a:r>
-              <a:rPr lang="en-US" sz="2000" dirty="0">
-                <a:solidFill>
-                  <a:srgbClr val="CED5E5"/>
-                </a:solidFill>
-                <a:effectLst/>
-                <a:latin typeface="Consolas" panose="020B0609020204030204" pitchFamily="49" charset="0"/>
-                <a:cs typeface="Arial" panose="020B0604020202020204" pitchFamily="34" charset="0"/>
-              </a:rPr>
-              <a:t>;</a:t>
-            </a:r>
-          </a:p>
-          <a:p>
-            <a:pPr marL="0" indent="0">
-              <a:buNone/>
-            </a:pPr>
-            <a:r>
-              <a:rPr lang="en-US" sz="2000" dirty="0">
-                <a:solidFill>
-                  <a:srgbClr val="CED5E5"/>
-                </a:solidFill>
-                <a:effectLst/>
-                <a:latin typeface="Consolas" panose="020B0609020204030204" pitchFamily="49" charset="0"/>
-                <a:cs typeface="Arial" panose="020B0604020202020204" pitchFamily="34" charset="0"/>
-              </a:rPr>
-              <a:t>}</a:t>
-            </a:r>
-          </a:p>
-          <a:p>
-            <a:pPr marL="0" indent="0">
-              <a:buNone/>
-            </a:pPr>
-            <a:endParaRPr lang="es-MX" sz="2000" dirty="0">
-              <a:latin typeface="Consolas" panose="020B0609020204030204" pitchFamily="49" charset="0"/>
-              <a:cs typeface="Arial" panose="020B0604020202020204" pitchFamily="34" charset="0"/>
-            </a:endParaRPr>
-          </a:p>
-          <a:p>
-            <a:pPr marL="0" indent="0">
-              <a:buNone/>
-            </a:pPr>
-            <a:endParaRPr lang="es-MX" sz="2000" dirty="0">
-              <a:latin typeface="Consolas" panose="020B0609020204030204" pitchFamily="49" charset="0"/>
-              <a:cs typeface="Arial" panose="020B0604020202020204" pitchFamily="34" charset="0"/>
-            </a:endParaRPr>
-          </a:p>
-          <a:p>
-            <a:r>
-              <a:rPr lang="es-MX" sz="2000" dirty="0">
-                <a:latin typeface="Consolas" panose="020B0609020204030204" pitchFamily="49" charset="0"/>
-                <a:cs typeface="Arial" panose="020B0604020202020204" pitchFamily="34" charset="0"/>
-              </a:rPr>
-              <a:t>Hacer que </a:t>
-            </a:r>
-            <a:r>
-              <a:rPr lang="es-MX" sz="2000" dirty="0" err="1">
-                <a:latin typeface="Consolas" panose="020B0609020204030204" pitchFamily="49" charset="0"/>
-                <a:cs typeface="Arial" panose="020B0604020202020204" pitchFamily="34" charset="0"/>
-              </a:rPr>
-              <a:t>swtich</a:t>
-            </a:r>
-            <a:r>
-              <a:rPr lang="es-MX" sz="2000" dirty="0">
-                <a:latin typeface="Consolas" panose="020B0609020204030204" pitchFamily="49" charset="0"/>
-                <a:cs typeface="Arial" panose="020B0604020202020204" pitchFamily="34" charset="0"/>
-              </a:rPr>
-              <a:t> pueda utilizar rangos </a:t>
-            </a:r>
-          </a:p>
-          <a:p>
-            <a:pPr marL="0" indent="0">
-              <a:buNone/>
-            </a:pPr>
-            <a:r>
-              <a:rPr lang="es-MX" sz="2000" dirty="0">
-                <a:solidFill>
-                  <a:srgbClr val="7030A0"/>
-                </a:solidFill>
-                <a:latin typeface="Consolas" panose="020B0609020204030204" pitchFamily="49" charset="0"/>
-                <a:cs typeface="Arial" panose="020B0604020202020204" pitchFamily="34" charset="0"/>
-              </a:rPr>
-              <a:t>switch(true){</a:t>
-            </a:r>
-          </a:p>
-          <a:p>
-            <a:pPr marL="457200" lvl="1" indent="0">
-              <a:buNone/>
-            </a:pPr>
-            <a:r>
-              <a:rPr lang="es-MX" dirty="0">
-                <a:solidFill>
-                  <a:srgbClr val="7030A0"/>
-                </a:solidFill>
-                <a:latin typeface="Consolas" panose="020B0609020204030204" pitchFamily="49" charset="0"/>
-                <a:cs typeface="Arial" panose="020B0604020202020204" pitchFamily="34" charset="0"/>
-              </a:rPr>
-              <a:t>case variable </a:t>
-            </a:r>
-            <a:r>
-              <a:rPr lang="es-MX" dirty="0" err="1">
-                <a:solidFill>
-                  <a:srgbClr val="7030A0"/>
-                </a:solidFill>
-                <a:latin typeface="Consolas" panose="020B0609020204030204" pitchFamily="49" charset="0"/>
-                <a:cs typeface="Arial" panose="020B0604020202020204" pitchFamily="34" charset="0"/>
-              </a:rPr>
-              <a:t>cond</a:t>
-            </a:r>
-            <a:r>
-              <a:rPr lang="es-MX" dirty="0">
-                <a:solidFill>
-                  <a:srgbClr val="7030A0"/>
-                </a:solidFill>
-                <a:latin typeface="Consolas" panose="020B0609020204030204" pitchFamily="49" charset="0"/>
-                <a:cs typeface="Arial" panose="020B0604020202020204" pitchFamily="34" charset="0"/>
-              </a:rPr>
-              <a:t> </a:t>
-            </a:r>
-            <a:r>
-              <a:rPr lang="es-MX" dirty="0" err="1">
-                <a:solidFill>
-                  <a:srgbClr val="7030A0"/>
-                </a:solidFill>
-                <a:latin typeface="Consolas" panose="020B0609020204030204" pitchFamily="49" charset="0"/>
-                <a:cs typeface="Arial" panose="020B0604020202020204" pitchFamily="34" charset="0"/>
-              </a:rPr>
-              <a:t>ref</a:t>
-            </a:r>
-            <a:endParaRPr lang="es-MX" dirty="0">
-              <a:solidFill>
-                <a:srgbClr val="7030A0"/>
-              </a:solidFill>
-              <a:latin typeface="Consolas" panose="020B0609020204030204" pitchFamily="49" charset="0"/>
-              <a:cs typeface="Arial" panose="020B0604020202020204" pitchFamily="34" charset="0"/>
-            </a:endParaRPr>
-          </a:p>
-          <a:p>
-            <a:pPr marL="0" indent="0">
-              <a:buNone/>
-            </a:pPr>
-            <a:r>
-              <a:rPr lang="es-MX" sz="2000" dirty="0">
-                <a:solidFill>
-                  <a:srgbClr val="7030A0"/>
-                </a:solidFill>
-                <a:latin typeface="Consolas" panose="020B0609020204030204" pitchFamily="49" charset="0"/>
-                <a:cs typeface="Arial" panose="020B0604020202020204" pitchFamily="34" charset="0"/>
-              </a:rPr>
-              <a:t>}</a:t>
-            </a:r>
-          </a:p>
-        </p:txBody>
-      </p:sp>
-      <p:sp>
-        <p:nvSpPr>
-          <p:cNvPr id="4" name="CuadroTexto 3">
-            <a:extLst>
-              <a:ext uri="{FF2B5EF4-FFF2-40B4-BE49-F238E27FC236}">
-                <a16:creationId xmlns:a16="http://schemas.microsoft.com/office/drawing/2014/main" id="{B8E04AD9-4E78-62CF-8365-503840352347}"/>
-              </a:ext>
-            </a:extLst>
-          </p:cNvPr>
-          <p:cNvSpPr txBox="1"/>
-          <p:nvPr/>
-        </p:nvSpPr>
-        <p:spPr>
-          <a:xfrm>
-            <a:off x="735106" y="920621"/>
-            <a:ext cx="5885328" cy="5016758"/>
-          </a:xfrm>
-          <a:prstGeom prst="rect">
-            <a:avLst/>
-          </a:prstGeom>
           <a:solidFill>
             <a:schemeClr val="bg1"/>
           </a:solidFill>
         </p:spPr>
         <p:txBody>
-          <a:bodyPr wrap="square" rtlCol="0">
-            <a:spAutoFit/>
+          <a:bodyPr>
+            <a:normAutofit/>
           </a:bodyPr>
           <a:lstStyle/>
           <a:p>
-            <a:r>
-              <a:rPr lang="en-US" sz="2000" dirty="0">
-                <a:solidFill>
-                  <a:schemeClr val="accent3">
-                    <a:lumMod val="60000"/>
-                    <a:lumOff val="40000"/>
-                  </a:schemeClr>
-                </a:solidFill>
-                <a:effectLst/>
-                <a:latin typeface="Consolas" panose="020B0609020204030204" pitchFamily="49" charset="0"/>
-              </a:rPr>
-              <a:t>for</a:t>
-            </a:r>
-            <a:r>
-              <a:rPr lang="en-US" sz="2000" dirty="0">
+            <a:endParaRPr lang="es-MX" dirty="0"/>
+          </a:p>
+          <a:p>
+            <a:r>
+              <a:rPr lang="es-MX" b="0" dirty="0">
+                <a:solidFill>
+                  <a:srgbClr val="50DA98"/>
+                </a:solidFill>
+                <a:effectLst/>
+                <a:latin typeface="Consolas" panose="020B0609020204030204" pitchFamily="49" charset="0"/>
+              </a:rPr>
+              <a:t>names</a:t>
+            </a:r>
+            <a:r>
+              <a:rPr lang="es-MX" b="0" dirty="0">
+                <a:solidFill>
+                  <a:srgbClr val="61AFEF"/>
+                </a:solidFill>
+                <a:effectLst/>
+                <a:latin typeface="Consolas" panose="020B0609020204030204" pitchFamily="49" charset="0"/>
+              </a:rPr>
+              <a:t>.</a:t>
+            </a:r>
+            <a:r>
+              <a:rPr lang="es-MX" b="1" dirty="0">
+                <a:solidFill>
+                  <a:srgbClr val="50DA98"/>
+                </a:solidFill>
+                <a:effectLst/>
+                <a:latin typeface="Consolas" panose="020B0609020204030204" pitchFamily="49" charset="0"/>
+              </a:rPr>
+              <a:t>forEach</a:t>
+            </a:r>
+            <a:r>
+              <a:rPr lang="es-MX" b="0" dirty="0">
                 <a:solidFill>
                   <a:srgbClr val="CED5E5"/>
                 </a:solidFill>
                 <a:effectLst/>
                 <a:latin typeface="Consolas" panose="020B0609020204030204" pitchFamily="49" charset="0"/>
               </a:rPr>
+              <a:t>(</a:t>
+            </a:r>
+            <a:r>
+              <a:rPr lang="es-MX" b="1" dirty="0" err="1">
+                <a:solidFill>
+                  <a:srgbClr val="CE21C5"/>
+                </a:solidFill>
+                <a:effectLst/>
+                <a:latin typeface="Consolas" panose="020B0609020204030204" pitchFamily="49" charset="0"/>
+              </a:rPr>
+              <a:t>function</a:t>
+            </a:r>
+            <a:r>
+              <a:rPr lang="es-MX" b="0" dirty="0">
+                <a:solidFill>
+                  <a:srgbClr val="CED5E5"/>
+                </a:solidFill>
+                <a:effectLst/>
+                <a:latin typeface="Consolas" panose="020B0609020204030204" pitchFamily="49" charset="0"/>
+              </a:rPr>
               <a:t> (</a:t>
             </a:r>
             <a:r>
-              <a:rPr lang="en-US" sz="2000" dirty="0">
-                <a:solidFill>
-                  <a:schemeClr val="accent3">
-                    <a:lumMod val="60000"/>
-                    <a:lumOff val="40000"/>
-                  </a:schemeClr>
-                </a:solidFill>
-                <a:effectLst/>
-                <a:latin typeface="Consolas" panose="020B0609020204030204" pitchFamily="49" charset="0"/>
-              </a:rPr>
-              <a:t>let</a:t>
-            </a:r>
-            <a:r>
-              <a:rPr lang="en-US" sz="2000" dirty="0">
+              <a:rPr lang="es-MX" b="0" i="1" dirty="0">
+                <a:solidFill>
+                  <a:srgbClr val="FFCC00"/>
+                </a:solidFill>
+                <a:effectLst/>
+                <a:latin typeface="Consolas" panose="020B0609020204030204" pitchFamily="49" charset="0"/>
+              </a:rPr>
+              <a:t>elemento</a:t>
+            </a:r>
+            <a:r>
+              <a:rPr lang="es-MX" b="0" dirty="0">
                 <a:solidFill>
                   <a:srgbClr val="CED5E5"/>
                 </a:solidFill>
                 <a:effectLst/>
                 <a:latin typeface="Consolas" panose="020B0609020204030204" pitchFamily="49" charset="0"/>
               </a:rPr>
-              <a:t> </a:t>
-            </a:r>
-            <a:r>
-              <a:rPr lang="en-US" sz="2000" dirty="0" err="1">
+              <a:t>, </a:t>
+            </a:r>
+            <a:r>
+              <a:rPr lang="es-MX" b="0" i="1" dirty="0" err="1">
+                <a:solidFill>
+                  <a:srgbClr val="FFCC00"/>
+                </a:solidFill>
+                <a:effectLst/>
+                <a:latin typeface="Consolas" panose="020B0609020204030204" pitchFamily="49" charset="0"/>
+              </a:rPr>
+              <a:t>index</a:t>
+            </a:r>
+            <a:r>
+              <a:rPr lang="es-MX" b="0" dirty="0">
+                <a:solidFill>
+                  <a:srgbClr val="CED5E5"/>
+                </a:solidFill>
+                <a:effectLst/>
+                <a:latin typeface="Consolas" panose="020B0609020204030204" pitchFamily="49" charset="0"/>
+              </a:rPr>
+              <a:t>, </a:t>
+            </a:r>
+            <a:r>
+              <a:rPr lang="es-MX" b="0" i="1" dirty="0" err="1">
+                <a:solidFill>
+                  <a:srgbClr val="FFCC00"/>
+                </a:solidFill>
+                <a:effectLst/>
+                <a:latin typeface="Consolas" panose="020B0609020204030204" pitchFamily="49" charset="0"/>
+              </a:rPr>
+              <a:t>arr</a:t>
+            </a:r>
+            <a:r>
+              <a:rPr lang="es-MX" b="0" dirty="0">
+                <a:solidFill>
+                  <a:srgbClr val="CED5E5"/>
+                </a:solidFill>
+                <a:effectLst/>
+                <a:latin typeface="Consolas" panose="020B0609020204030204" pitchFamily="49" charset="0"/>
+              </a:rPr>
+              <a:t>) {</a:t>
+            </a:r>
+          </a:p>
+          <a:p>
+            <a:r>
+              <a:rPr lang="es-MX" b="0" dirty="0">
+                <a:solidFill>
+                  <a:srgbClr val="CED5E5"/>
+                </a:solidFill>
+                <a:effectLst/>
+                <a:latin typeface="Consolas" panose="020B0609020204030204" pitchFamily="49" charset="0"/>
+              </a:rPr>
+              <a:t>    </a:t>
+            </a:r>
+            <a:r>
+              <a:rPr lang="es-MX" b="0" dirty="0">
+                <a:solidFill>
+                  <a:srgbClr val="50DA98"/>
+                </a:solidFill>
+                <a:effectLst/>
+                <a:latin typeface="Consolas" panose="020B0609020204030204" pitchFamily="49" charset="0"/>
+              </a:rPr>
+              <a:t>console</a:t>
+            </a:r>
+            <a:r>
+              <a:rPr lang="es-MX" b="0" dirty="0">
+                <a:solidFill>
+                  <a:srgbClr val="61AFEF"/>
+                </a:solidFill>
+                <a:effectLst/>
+                <a:latin typeface="Consolas" panose="020B0609020204030204" pitchFamily="49" charset="0"/>
+              </a:rPr>
+              <a:t>.</a:t>
+            </a:r>
+            <a:r>
+              <a:rPr lang="es-MX" b="1" dirty="0">
+                <a:solidFill>
+                  <a:srgbClr val="50DA98"/>
+                </a:solidFill>
+                <a:effectLst/>
+                <a:latin typeface="Consolas" panose="020B0609020204030204" pitchFamily="49" charset="0"/>
+              </a:rPr>
+              <a:t>log</a:t>
+            </a:r>
+            <a:r>
+              <a:rPr lang="es-MX" b="0" dirty="0">
+                <a:solidFill>
+                  <a:srgbClr val="CED5E5"/>
+                </a:solidFill>
+                <a:effectLst/>
+                <a:latin typeface="Consolas" panose="020B0609020204030204" pitchFamily="49" charset="0"/>
+              </a:rPr>
+              <a:t>(</a:t>
+            </a:r>
+            <a:r>
+              <a:rPr lang="es-MX" b="0" dirty="0">
                 <a:solidFill>
                   <a:srgbClr val="FB467B"/>
                 </a:solidFill>
                 <a:effectLst/>
                 <a:latin typeface="Consolas" panose="020B0609020204030204" pitchFamily="49" charset="0"/>
               </a:rPr>
-              <a:t>i</a:t>
-            </a:r>
-            <a:r>
-              <a:rPr lang="en-US" sz="2000" dirty="0">
+              <a:t>elemento</a:t>
+            </a:r>
+            <a:r>
+              <a:rPr lang="es-MX" b="0" dirty="0">
                 <a:solidFill>
                   <a:srgbClr val="CED5E5"/>
                 </a:solidFill>
                 <a:effectLst/>
                 <a:latin typeface="Consolas" panose="020B0609020204030204" pitchFamily="49" charset="0"/>
               </a:rPr>
-              <a:t> </a:t>
-            </a:r>
-            <a:r>
-              <a:rPr lang="en-US" sz="2000" dirty="0">
-                <a:solidFill>
-                  <a:srgbClr val="56D6D6"/>
-                </a:solidFill>
-                <a:effectLst/>
-                <a:latin typeface="Consolas" panose="020B0609020204030204" pitchFamily="49" charset="0"/>
-              </a:rPr>
-              <a:t>=</a:t>
-            </a:r>
-            <a:r>
-              <a:rPr lang="en-US" sz="2000" dirty="0">
+              <a:t>); //Valor </a:t>
+            </a:r>
+          </a:p>
+          <a:p>
+            <a:r>
+              <a:rPr lang="es-MX" b="0" dirty="0">
                 <a:solidFill>
                   <a:srgbClr val="CED5E5"/>
                 </a:solidFill>
                 <a:effectLst/>
                 <a:latin typeface="Consolas" panose="020B0609020204030204" pitchFamily="49" charset="0"/>
               </a:rPr>
-              <a:t> </a:t>
-            </a:r>
-            <a:r>
-              <a:rPr lang="en-US" sz="2000" dirty="0">
-                <a:solidFill>
-                  <a:srgbClr val="F78C6C"/>
-                </a:solidFill>
-                <a:effectLst/>
-                <a:latin typeface="Consolas" panose="020B0609020204030204" pitchFamily="49" charset="0"/>
-              </a:rPr>
-              <a:t>0</a:t>
-            </a:r>
-            <a:r>
-              <a:rPr lang="en-US" sz="2000" dirty="0">
+              <a:t>    </a:t>
+            </a:r>
+            <a:r>
+              <a:rPr lang="es-MX" b="0" dirty="0">
+                <a:solidFill>
+                  <a:srgbClr val="50DA98"/>
+                </a:solidFill>
+                <a:effectLst/>
+                <a:latin typeface="Consolas" panose="020B0609020204030204" pitchFamily="49" charset="0"/>
+              </a:rPr>
+              <a:t>console</a:t>
+            </a:r>
+            <a:r>
+              <a:rPr lang="es-MX" b="0" dirty="0">
+                <a:solidFill>
+                  <a:srgbClr val="61AFEF"/>
+                </a:solidFill>
+                <a:effectLst/>
+                <a:latin typeface="Consolas" panose="020B0609020204030204" pitchFamily="49" charset="0"/>
+              </a:rPr>
+              <a:t>.</a:t>
+            </a:r>
+            <a:r>
+              <a:rPr lang="es-MX" b="1" dirty="0">
+                <a:solidFill>
+                  <a:srgbClr val="50DA98"/>
+                </a:solidFill>
+                <a:effectLst/>
+                <a:latin typeface="Consolas" panose="020B0609020204030204" pitchFamily="49" charset="0"/>
+              </a:rPr>
+              <a:t>log</a:t>
+            </a:r>
+            <a:r>
+              <a:rPr lang="es-MX" b="0" dirty="0">
                 <a:solidFill>
                   <a:srgbClr val="CED5E5"/>
                 </a:solidFill>
                 <a:effectLst/>
                 <a:latin typeface="Consolas" panose="020B0609020204030204" pitchFamily="49" charset="0"/>
               </a:rPr>
-              <a:t>; </a:t>
-            </a:r>
-            <a:r>
-              <a:rPr lang="en-US" sz="2000" dirty="0" err="1">
+              <a:t>(</a:t>
+            </a:r>
+            <a:r>
+              <a:rPr lang="es-MX" b="0" dirty="0" err="1">
                 <a:solidFill>
                   <a:srgbClr val="FB467B"/>
                 </a:solidFill>
                 <a:effectLst/>
                 <a:latin typeface="Consolas" panose="020B0609020204030204" pitchFamily="49" charset="0"/>
               </a:rPr>
-              <a:t>i</a:t>
-            </a:r>
-            <a:r>
-              <a:rPr lang="en-US" sz="2000" dirty="0">
+              <a:t>index</a:t>
+            </a:r>
+            <a:r>
+              <a:rPr lang="es-MX" b="0" dirty="0">
                 <a:solidFill>
                   <a:srgbClr val="CED5E5"/>
                 </a:solidFill>
                 <a:effectLst/>
                 <a:latin typeface="Consolas" panose="020B0609020204030204" pitchFamily="49" charset="0"/>
               </a:rPr>
-              <a:t> </a:t>
-            </a:r>
-            <a:r>
-              <a:rPr lang="en-US" sz="2000" dirty="0">
-                <a:solidFill>
-                  <a:srgbClr val="56D6D6"/>
-                </a:solidFill>
-                <a:effectLst/>
-                <a:latin typeface="Consolas" panose="020B0609020204030204" pitchFamily="49" charset="0"/>
-              </a:rPr>
-              <a:t>&lt;</a:t>
-            </a:r>
-            <a:r>
-              <a:rPr lang="en-US" sz="2000" dirty="0">
+              <a:t>); //Posición del </a:t>
+            </a:r>
+            <a:r>
+              <a:rPr lang="es-MX" b="0" dirty="0" err="1">
                 <a:solidFill>
                   <a:srgbClr val="CED5E5"/>
                 </a:solidFill>
                 <a:effectLst/>
                 <a:latin typeface="Consolas" panose="020B0609020204030204" pitchFamily="49" charset="0"/>
               </a:rPr>
-              <a:t> </a:t>
-            </a:r>
-            <a:r>
-              <a:rPr lang="en-US" sz="2000" dirty="0">
-                <a:solidFill>
-                  <a:srgbClr val="50DA98"/>
-                </a:solidFill>
-                <a:effectLst/>
-                <a:latin typeface="Consolas" panose="020B0609020204030204" pitchFamily="49" charset="0"/>
-              </a:rPr>
-              <a:t>array</a:t>
-            </a:r>
-            <a:r>
-              <a:rPr lang="en-US" sz="2000" dirty="0">
-                <a:solidFill>
-                  <a:srgbClr val="CED5E5"/>
-                </a:solidFill>
-                <a:effectLst/>
-                <a:latin typeface="Consolas" panose="020B0609020204030204" pitchFamily="49" charset="0"/>
-              </a:rPr>
-              <a:t>.length; </a:t>
-            </a:r>
-            <a:r>
-              <a:rPr lang="en-US" sz="2000" dirty="0" err="1">
-                <a:solidFill>
-                  <a:srgbClr val="FB467B"/>
-                </a:solidFill>
-                <a:effectLst/>
-                <a:latin typeface="Consolas" panose="020B0609020204030204" pitchFamily="49" charset="0"/>
-              </a:rPr>
-              <a:t>i</a:t>
-            </a:r>
-            <a:r>
-              <a:rPr lang="en-US" sz="2000" dirty="0">
-                <a:solidFill>
-                  <a:srgbClr val="56D6D6"/>
-                </a:solidFill>
-                <a:effectLst/>
-                <a:latin typeface="Consolas" panose="020B0609020204030204" pitchFamily="49" charset="0"/>
-              </a:rPr>
-              <a:t>++</a:t>
-            </a:r>
-            <a:r>
-              <a:rPr lang="en-US" sz="2000" dirty="0">
-                <a:solidFill>
-                  <a:srgbClr val="CED5E5"/>
-                </a:solidFill>
-                <a:effectLst/>
-                <a:latin typeface="Consolas" panose="020B0609020204030204" pitchFamily="49" charset="0"/>
-              </a:rPr>
-              <a:t>) {</a:t>
-            </a:r>
-          </a:p>
-          <a:p>
-            <a:r>
-              <a:rPr lang="en-US" sz="2000" dirty="0">
-                <a:solidFill>
-                  <a:srgbClr val="CED5E5"/>
-                </a:solidFill>
-                <a:effectLst/>
-                <a:latin typeface="Consolas" panose="020B0609020204030204" pitchFamily="49" charset="0"/>
-              </a:rPr>
-              <a:t>    </a:t>
-            </a:r>
-            <a:r>
-              <a:rPr lang="en-US" sz="2000" dirty="0">
-                <a:solidFill>
-                  <a:schemeClr val="accent3">
-                    <a:lumMod val="60000"/>
-                    <a:lumOff val="40000"/>
-                  </a:schemeClr>
-                </a:solidFill>
-                <a:effectLst/>
-                <a:latin typeface="Consolas" panose="020B0609020204030204" pitchFamily="49" charset="0"/>
-              </a:rPr>
-              <a:t>const</a:t>
-            </a:r>
-            <a:r>
-              <a:rPr lang="en-US" sz="2000" dirty="0">
-                <a:solidFill>
-                  <a:srgbClr val="CED5E5"/>
-                </a:solidFill>
-                <a:effectLst/>
-                <a:latin typeface="Consolas" panose="020B0609020204030204" pitchFamily="49" charset="0"/>
-              </a:rPr>
-              <a:t> </a:t>
-            </a:r>
-            <a:r>
-              <a:rPr lang="en-US" sz="2000" dirty="0">
-                <a:solidFill>
-                  <a:srgbClr val="FB467B"/>
-                </a:solidFill>
-                <a:effectLst/>
-                <a:latin typeface="Consolas" panose="020B0609020204030204" pitchFamily="49" charset="0"/>
-              </a:rPr>
-              <a:t>element</a:t>
-            </a:r>
-            <a:r>
-              <a:rPr lang="en-US" sz="2000" dirty="0">
-                <a:solidFill>
-                  <a:srgbClr val="CED5E5"/>
-                </a:solidFill>
-                <a:effectLst/>
-                <a:latin typeface="Consolas" panose="020B0609020204030204" pitchFamily="49" charset="0"/>
-              </a:rPr>
-              <a:t> </a:t>
-            </a:r>
-            <a:r>
-              <a:rPr lang="en-US" sz="2000" dirty="0">
-                <a:solidFill>
-                  <a:srgbClr val="56D6D6"/>
-                </a:solidFill>
-                <a:effectLst/>
-                <a:latin typeface="Consolas" panose="020B0609020204030204" pitchFamily="49" charset="0"/>
-              </a:rPr>
-              <a:t>=</a:t>
-            </a:r>
-            <a:r>
-              <a:rPr lang="en-US" sz="2000" dirty="0">
-                <a:solidFill>
-                  <a:srgbClr val="CED5E5"/>
-                </a:solidFill>
-                <a:effectLst/>
-                <a:latin typeface="Consolas" panose="020B0609020204030204" pitchFamily="49" charset="0"/>
-              </a:rPr>
-              <a:t> </a:t>
-            </a:r>
-            <a:r>
-              <a:rPr lang="en-US" sz="2000" dirty="0">
-                <a:solidFill>
-                  <a:srgbClr val="FB467B"/>
-                </a:solidFill>
-                <a:effectLst/>
-                <a:latin typeface="Consolas" panose="020B0609020204030204" pitchFamily="49" charset="0"/>
-              </a:rPr>
-              <a:t>array</a:t>
-            </a:r>
-            <a:r>
-              <a:rPr lang="en-US" sz="2000" dirty="0">
-                <a:solidFill>
-                  <a:srgbClr val="CED5E5"/>
-                </a:solidFill>
-                <a:effectLst/>
-                <a:latin typeface="Consolas" panose="020B0609020204030204" pitchFamily="49" charset="0"/>
-              </a:rPr>
-              <a:t>[</a:t>
-            </a:r>
-            <a:r>
-              <a:rPr lang="en-US" sz="2000" dirty="0" err="1">
-                <a:solidFill>
-                  <a:srgbClr val="FB467B"/>
-                </a:solidFill>
-                <a:effectLst/>
-                <a:latin typeface="Consolas" panose="020B0609020204030204" pitchFamily="49" charset="0"/>
-              </a:rPr>
-              <a:t>i</a:t>
-            </a:r>
-            <a:r>
-              <a:rPr lang="en-US" sz="2000" dirty="0">
-                <a:solidFill>
-                  <a:srgbClr val="CED5E5"/>
-                </a:solidFill>
-                <a:effectLst/>
-                <a:latin typeface="Consolas" panose="020B0609020204030204" pitchFamily="49" charset="0"/>
-              </a:rPr>
-              <a:t>];</a:t>
-            </a:r>
-          </a:p>
-          <a:p>
-            <a:r>
-              <a:rPr lang="en-US" sz="2000" dirty="0">
-                <a:solidFill>
-                  <a:srgbClr val="CED5E5"/>
-                </a:solidFill>
-                <a:effectLst/>
-                <a:latin typeface="Consolas" panose="020B0609020204030204" pitchFamily="49" charset="0"/>
-              </a:rPr>
-              <a:t>}</a:t>
-            </a:r>
-          </a:p>
-          <a:p>
-            <a:endParaRPr lang="es-MX" sz="2000" dirty="0"/>
-          </a:p>
-          <a:p>
-            <a:endParaRPr lang="es-MX" sz="2000" dirty="0"/>
-          </a:p>
-          <a:p>
-            <a:r>
-              <a:rPr lang="es-MX" sz="2000" dirty="0" err="1">
-                <a:solidFill>
-                  <a:srgbClr val="00B050"/>
-                </a:solidFill>
-                <a:effectLst/>
-                <a:latin typeface="Consolas" panose="020B0609020204030204" pitchFamily="49" charset="0"/>
-              </a:rPr>
-              <a:t>if</a:t>
-            </a:r>
-            <a:r>
-              <a:rPr lang="es-MX" sz="2000" dirty="0">
-                <a:solidFill>
-                  <a:srgbClr val="CED5E5"/>
-                </a:solidFill>
-                <a:effectLst/>
-                <a:latin typeface="Consolas" panose="020B0609020204030204" pitchFamily="49" charset="0"/>
-              </a:rPr>
-              <a:t> (</a:t>
-            </a:r>
-            <a:r>
-              <a:rPr lang="es-MX" sz="2000" dirty="0" err="1">
-                <a:solidFill>
-                  <a:srgbClr val="FFFF00"/>
-                </a:solidFill>
-                <a:effectLst/>
-                <a:latin typeface="Consolas" panose="020B0609020204030204" pitchFamily="49" charset="0"/>
-              </a:rPr>
-              <a:t>condition</a:t>
-            </a:r>
-            <a:r>
-              <a:rPr lang="es-MX" sz="2000" dirty="0">
-                <a:solidFill>
-                  <a:srgbClr val="CED5E5"/>
-                </a:solidFill>
-                <a:effectLst/>
-                <a:latin typeface="Consolas" panose="020B0609020204030204" pitchFamily="49" charset="0"/>
-              </a:rPr>
-              <a:t>) {</a:t>
-            </a:r>
-          </a:p>
-          <a:p>
-            <a:r>
-              <a:rPr lang="es-MX" sz="2000" dirty="0">
-                <a:solidFill>
-                  <a:srgbClr val="CED5E5"/>
-                </a:solidFill>
-                <a:effectLst/>
-                <a:latin typeface="Consolas" panose="020B0609020204030204" pitchFamily="49" charset="0"/>
-              </a:rPr>
-              <a:t>    </a:t>
-            </a:r>
-          </a:p>
-          <a:p>
-            <a:r>
-              <a:rPr lang="es-MX" sz="2000" dirty="0">
-                <a:solidFill>
-                  <a:srgbClr val="CED5E5"/>
-                </a:solidFill>
-                <a:effectLst/>
-                <a:latin typeface="Consolas" panose="020B0609020204030204" pitchFamily="49" charset="0"/>
-              </a:rPr>
-              <a:t>} </a:t>
-            </a:r>
-            <a:r>
-              <a:rPr lang="es-MX" sz="2000" dirty="0" err="1">
-                <a:solidFill>
-                  <a:srgbClr val="00B050"/>
-                </a:solidFill>
-                <a:effectLst/>
-                <a:latin typeface="Consolas" panose="020B0609020204030204" pitchFamily="49" charset="0"/>
-              </a:rPr>
-              <a:t>else</a:t>
-            </a:r>
-            <a:r>
-              <a:rPr lang="es-MX" sz="2000" dirty="0">
-                <a:solidFill>
-                  <a:srgbClr val="CED5E5"/>
-                </a:solidFill>
-                <a:effectLst/>
-                <a:latin typeface="Consolas" panose="020B0609020204030204" pitchFamily="49" charset="0"/>
-              </a:rPr>
-              <a:t> {</a:t>
-            </a:r>
-          </a:p>
-          <a:p>
-            <a:r>
-              <a:rPr lang="es-MX" sz="2000" dirty="0">
-                <a:solidFill>
-                  <a:srgbClr val="CED5E5"/>
-                </a:solidFill>
-                <a:effectLst/>
-                <a:latin typeface="Consolas" panose="020B0609020204030204" pitchFamily="49" charset="0"/>
-              </a:rPr>
-              <a:t>    </a:t>
-            </a:r>
-          </a:p>
-          <a:p>
-            <a:r>
-              <a:rPr lang="es-MX" sz="2000" dirty="0">
-                <a:solidFill>
-                  <a:srgbClr val="CED5E5"/>
-                </a:solidFill>
-                <a:effectLst/>
-                <a:latin typeface="Consolas" panose="020B0609020204030204" pitchFamily="49" charset="0"/>
-              </a:rPr>
-              <a:t>}</a:t>
-            </a:r>
-          </a:p>
-          <a:p>
-            <a:br>
-              <a:rPr lang="es-MX" sz="2000" dirty="0">
-                <a:solidFill>
-                  <a:srgbClr val="CED5E5"/>
-                </a:solidFill>
-                <a:effectLst/>
-                <a:latin typeface="Consolas" panose="020B0609020204030204" pitchFamily="49" charset="0"/>
-              </a:rPr>
-            </a:br>
-            <a:endParaRPr lang="es-MX" sz="2000" dirty="0">
+              <a:t>indice</a:t>
+            </a:r>
+            <a:endParaRPr lang="es-MX" b="0" dirty="0">
               <a:solidFill>
                 <a:srgbClr val="CED5E5"/>
               </a:solidFill>
@@ -10454,145 +10386,375 @@
           </a:p>
           <a:p>
             <a:r>
-              <a:rPr lang="es-MX" sz="2000" dirty="0" err="1">
-                <a:solidFill>
-                  <a:srgbClr val="0070C0"/>
-                </a:solidFill>
-                <a:effectLst/>
-                <a:latin typeface="Consolas" panose="020B0609020204030204" pitchFamily="49" charset="0"/>
-              </a:rPr>
-              <a:t>while</a:t>
-            </a:r>
-            <a:r>
-              <a:rPr lang="es-MX" sz="2000" dirty="0">
+              <a:rPr lang="es-MX" b="0" dirty="0">
                 <a:solidFill>
                   <a:srgbClr val="CED5E5"/>
                 </a:solidFill>
                 <a:effectLst/>
                 <a:latin typeface="Consolas" panose="020B0609020204030204" pitchFamily="49" charset="0"/>
               </a:rPr>
-              <a:t> (</a:t>
-            </a:r>
-            <a:r>
-              <a:rPr lang="es-MX" sz="2000" dirty="0" err="1">
-                <a:solidFill>
-                  <a:schemeClr val="accent6">
-                    <a:lumMod val="60000"/>
-                    <a:lumOff val="40000"/>
-                  </a:schemeClr>
-                </a:solidFill>
-                <a:effectLst/>
-                <a:latin typeface="Consolas" panose="020B0609020204030204" pitchFamily="49" charset="0"/>
-              </a:rPr>
-              <a:t>condition</a:t>
-            </a:r>
-            <a:r>
-              <a:rPr lang="es-MX" sz="2000" dirty="0">
+              <a:t>    </a:t>
+            </a:r>
+            <a:r>
+              <a:rPr lang="es-MX" b="0" dirty="0">
+                <a:solidFill>
+                  <a:srgbClr val="50DA98"/>
+                </a:solidFill>
+                <a:effectLst/>
+                <a:latin typeface="Consolas" panose="020B0609020204030204" pitchFamily="49" charset="0"/>
+              </a:rPr>
+              <a:t>console</a:t>
+            </a:r>
+            <a:r>
+              <a:rPr lang="es-MX" b="0" dirty="0">
+                <a:solidFill>
+                  <a:srgbClr val="61AFEF"/>
+                </a:solidFill>
+                <a:effectLst/>
+                <a:latin typeface="Consolas" panose="020B0609020204030204" pitchFamily="49" charset="0"/>
+              </a:rPr>
+              <a:t>.</a:t>
+            </a:r>
+            <a:r>
+              <a:rPr lang="es-MX" b="1" dirty="0">
+                <a:solidFill>
+                  <a:srgbClr val="50DA98"/>
+                </a:solidFill>
+                <a:effectLst/>
+                <a:latin typeface="Consolas" panose="020B0609020204030204" pitchFamily="49" charset="0"/>
+              </a:rPr>
+              <a:t>log</a:t>
+            </a:r>
+            <a:r>
+              <a:rPr lang="es-MX" b="0" dirty="0">
                 <a:solidFill>
                   <a:srgbClr val="CED5E5"/>
                 </a:solidFill>
                 <a:effectLst/>
                 <a:latin typeface="Consolas" panose="020B0609020204030204" pitchFamily="49" charset="0"/>
               </a:rPr>
-              <a:t>) {</a:t>
-            </a:r>
-          </a:p>
-          <a:p>
-            <a:r>
-              <a:rPr lang="es-MX" sz="2000" dirty="0">
+              <a:t>(</a:t>
+            </a:r>
+            <a:r>
+              <a:rPr lang="es-MX" b="0" dirty="0" err="1">
+                <a:solidFill>
+                  <a:srgbClr val="FB467B"/>
+                </a:solidFill>
+                <a:effectLst/>
+                <a:latin typeface="Consolas" panose="020B0609020204030204" pitchFamily="49" charset="0"/>
+              </a:rPr>
+              <a:t>arr</a:t>
+            </a:r>
+            <a:r>
+              <a:rPr lang="es-MX" b="0" dirty="0">
                 <a:solidFill>
                   <a:srgbClr val="CED5E5"/>
                 </a:solidFill>
                 <a:effectLst/>
                 <a:latin typeface="Consolas" panose="020B0609020204030204" pitchFamily="49" charset="0"/>
               </a:rPr>
-              <a:t>    </a:t>
-            </a:r>
-          </a:p>
-          <a:p>
-            <a:r>
-              <a:rPr lang="es-MX" sz="2000" dirty="0">
+              <a:t>); //Arreglo completo</a:t>
+            </a:r>
+          </a:p>
+          <a:p>
+            <a:r>
+              <a:rPr lang="es-MX" b="0" dirty="0">
                 <a:solidFill>
                   <a:srgbClr val="CED5E5"/>
                 </a:solidFill>
                 <a:effectLst/>
                 <a:latin typeface="Consolas" panose="020B0609020204030204" pitchFamily="49" charset="0"/>
               </a:rPr>
-              <a:t>}</a:t>
-            </a:r>
-          </a:p>
-          <a:p>
-            <a:r>
-              <a:rPr lang="es-MX" sz="2000" dirty="0">
-                <a:latin typeface="Consolas" panose="020B0609020204030204" pitchFamily="49" charset="0"/>
-              </a:rPr>
-              <a:t>Hacer </a:t>
-            </a:r>
-            <a:r>
-              <a:rPr lang="es-MX" sz="2000" dirty="0" err="1">
-                <a:latin typeface="Consolas" panose="020B0609020204030204" pitchFamily="49" charset="0"/>
-              </a:rPr>
-              <a:t>while</a:t>
-            </a:r>
-            <a:r>
-              <a:rPr lang="es-MX" sz="2000" dirty="0">
-                <a:latin typeface="Consolas" panose="020B0609020204030204" pitchFamily="49" charset="0"/>
-              </a:rPr>
-              <a:t> sea infinito </a:t>
-            </a:r>
-            <a:r>
-              <a:rPr lang="es-MX" sz="2000" dirty="0" err="1">
-                <a:solidFill>
-                  <a:schemeClr val="accent6">
-                    <a:lumMod val="75000"/>
-                  </a:schemeClr>
-                </a:solidFill>
-                <a:latin typeface="Consolas" panose="020B0609020204030204" pitchFamily="49" charset="0"/>
-              </a:rPr>
-              <a:t>while</a:t>
-            </a:r>
-            <a:r>
-              <a:rPr lang="es-MX" sz="2000" dirty="0">
-                <a:solidFill>
-                  <a:schemeClr val="accent3">
-                    <a:lumMod val="60000"/>
-                    <a:lumOff val="40000"/>
-                  </a:schemeClr>
-                </a:solidFill>
-                <a:latin typeface="Consolas" panose="020B0609020204030204" pitchFamily="49" charset="0"/>
-              </a:rPr>
-              <a:t>(</a:t>
-            </a:r>
-            <a:r>
-              <a:rPr lang="es-MX" sz="2000" dirty="0">
-                <a:solidFill>
-                  <a:schemeClr val="accent1">
-                    <a:lumMod val="75000"/>
-                  </a:schemeClr>
-                </a:solidFill>
-                <a:latin typeface="Consolas" panose="020B0609020204030204" pitchFamily="49" charset="0"/>
-              </a:rPr>
-              <a:t>true</a:t>
-            </a:r>
-            <a:r>
-              <a:rPr lang="es-MX" sz="2000" dirty="0">
-                <a:solidFill>
-                  <a:schemeClr val="accent3">
-                    <a:lumMod val="60000"/>
-                    <a:lumOff val="40000"/>
-                  </a:schemeClr>
-                </a:solidFill>
-                <a:latin typeface="Consolas" panose="020B0609020204030204" pitchFamily="49" charset="0"/>
-              </a:rPr>
-              <a:t>)</a:t>
-            </a:r>
+              <a:t>});</a:t>
+            </a:r>
+          </a:p>
+          <a:p>
+            <a:pPr marL="0" indent="0">
+              <a:buNone/>
+            </a:pPr>
+            <a:endParaRPr lang="es-MX" dirty="0"/>
+          </a:p>
+          <a:p>
+            <a:pPr marL="0" indent="0">
+              <a:buNone/>
+            </a:pPr>
+            <a:endParaRPr lang="es-MX" dirty="0"/>
+          </a:p>
+          <a:p>
+            <a:pPr marL="0" indent="0">
+              <a:buNone/>
+            </a:pPr>
+            <a:r>
+              <a:rPr lang="es-MX" dirty="0"/>
+              <a:t>//Operador Ternario</a:t>
+            </a:r>
+          </a:p>
+          <a:p>
+            <a:pPr marL="0" indent="0">
+              <a:buNone/>
+            </a:pPr>
+            <a:r>
+              <a:rPr lang="es-MX" b="0" i="0" dirty="0">
+                <a:solidFill>
+                  <a:srgbClr val="00A67D"/>
+                </a:solidFill>
+                <a:effectLst/>
+                <a:latin typeface="Söhne Mono"/>
+              </a:rPr>
+              <a:t>condición</a:t>
+            </a:r>
+            <a:r>
+              <a:rPr lang="es-MX" b="0" i="0" dirty="0">
+                <a:solidFill>
+                  <a:srgbClr val="FFFFFF"/>
+                </a:solidFill>
+                <a:effectLst/>
+                <a:latin typeface="Söhne Mono"/>
+              </a:rPr>
+              <a:t> </a:t>
+            </a:r>
+            <a:r>
+              <a:rPr lang="es-MX" b="0" i="0" dirty="0">
+                <a:solidFill>
+                  <a:srgbClr val="00A67D"/>
+                </a:solidFill>
+                <a:effectLst/>
+                <a:latin typeface="Söhne Mono"/>
+              </a:rPr>
+              <a:t>?</a:t>
+            </a:r>
+            <a:r>
+              <a:rPr lang="es-MX" b="0" i="0" dirty="0">
+                <a:solidFill>
+                  <a:srgbClr val="FFFFFF"/>
+                </a:solidFill>
+                <a:effectLst/>
+                <a:latin typeface="Söhne Mono"/>
+              </a:rPr>
+              <a:t> </a:t>
+            </a:r>
+            <a:r>
+              <a:rPr lang="es-MX" b="0" i="0" dirty="0" err="1">
+                <a:solidFill>
+                  <a:srgbClr val="DF3079"/>
+                </a:solidFill>
+                <a:effectLst/>
+                <a:latin typeface="Söhne Mono"/>
+              </a:rPr>
+              <a:t>valorSiVerdadero</a:t>
+            </a:r>
+            <a:r>
+              <a:rPr lang="es-MX" b="0" i="0" dirty="0">
+                <a:solidFill>
+                  <a:srgbClr val="DF3079"/>
+                </a:solidFill>
+                <a:effectLst/>
+                <a:latin typeface="Söhne Mono"/>
+              </a:rPr>
+              <a:t> :</a:t>
+            </a:r>
+            <a:r>
+              <a:rPr lang="es-MX" b="0" i="0" dirty="0">
+                <a:solidFill>
+                  <a:srgbClr val="FFFFFF"/>
+                </a:solidFill>
+                <a:effectLst/>
+                <a:latin typeface="Söhne Mono"/>
+              </a:rPr>
+              <a:t> </a:t>
+            </a:r>
+            <a:r>
+              <a:rPr lang="es-MX" b="0" i="0" dirty="0" err="1">
+                <a:solidFill>
+                  <a:srgbClr val="00A67D"/>
+                </a:solidFill>
+                <a:effectLst/>
+                <a:latin typeface="Söhne Mono"/>
+              </a:rPr>
+              <a:t>valorSiFalso</a:t>
+            </a:r>
+            <a:endParaRPr lang="es-MX" b="0" i="0" dirty="0">
+              <a:solidFill>
+                <a:srgbClr val="00A67D"/>
+              </a:solidFill>
+              <a:effectLst/>
+              <a:latin typeface="Söhne Mono"/>
+            </a:endParaRPr>
+          </a:p>
+          <a:p>
+            <a:pPr marL="0" indent="0">
+              <a:buNone/>
+            </a:pPr>
+            <a:r>
+              <a:rPr lang="es-MX" b="1" dirty="0" err="1">
+                <a:solidFill>
+                  <a:srgbClr val="CE21C5"/>
+                </a:solidFill>
+                <a:effectLst/>
+                <a:latin typeface="Consolas" panose="020B0609020204030204" pitchFamily="49" charset="0"/>
+              </a:rPr>
+              <a:t>return</a:t>
+            </a:r>
+            <a:r>
+              <a:rPr lang="es-MX" b="0" dirty="0">
+                <a:solidFill>
+                  <a:srgbClr val="CED5E5"/>
+                </a:solidFill>
+                <a:effectLst/>
+                <a:latin typeface="Consolas" panose="020B0609020204030204" pitchFamily="49" charset="0"/>
+              </a:rPr>
+              <a:t> </a:t>
+            </a:r>
+            <a:r>
+              <a:rPr lang="es-MX" b="0" dirty="0">
+                <a:solidFill>
+                  <a:srgbClr val="FB467B"/>
+                </a:solidFill>
+                <a:effectLst/>
+                <a:latin typeface="Consolas" panose="020B0609020204030204" pitchFamily="49" charset="0"/>
+              </a:rPr>
+              <a:t>p</a:t>
+            </a:r>
+            <a:r>
+              <a:rPr lang="es-MX" b="1" dirty="0">
+                <a:solidFill>
+                  <a:srgbClr val="56D6D6"/>
+                </a:solidFill>
+                <a:effectLst/>
+                <a:latin typeface="Consolas" panose="020B0609020204030204" pitchFamily="49" charset="0"/>
+              </a:rPr>
+              <a:t>&gt;</a:t>
+            </a:r>
+            <a:r>
+              <a:rPr lang="es-MX" b="0" dirty="0">
+                <a:solidFill>
+                  <a:srgbClr val="FB467B"/>
+                </a:solidFill>
+                <a:effectLst/>
+                <a:latin typeface="Consolas" panose="020B0609020204030204" pitchFamily="49" charset="0"/>
+              </a:rPr>
+              <a:t>n</a:t>
+            </a:r>
+            <a:r>
+              <a:rPr lang="es-MX" b="0" dirty="0">
+                <a:solidFill>
+                  <a:srgbClr val="CED5E5"/>
+                </a:solidFill>
+                <a:effectLst/>
+                <a:latin typeface="Consolas" panose="020B0609020204030204" pitchFamily="49" charset="0"/>
+              </a:rPr>
+              <a:t> </a:t>
+            </a:r>
+            <a:r>
+              <a:rPr lang="es-MX" b="1" dirty="0">
+                <a:solidFill>
+                  <a:srgbClr val="56D6D6"/>
+                </a:solidFill>
+                <a:effectLst/>
+                <a:latin typeface="Consolas" panose="020B0609020204030204" pitchFamily="49" charset="0"/>
+              </a:rPr>
+              <a:t>?</a:t>
+            </a:r>
+            <a:r>
+              <a:rPr lang="es-MX" b="0" dirty="0">
+                <a:solidFill>
+                  <a:srgbClr val="CED5E5"/>
+                </a:solidFill>
+                <a:effectLst/>
+                <a:latin typeface="Consolas" panose="020B0609020204030204" pitchFamily="49" charset="0"/>
+              </a:rPr>
+              <a:t> </a:t>
+            </a:r>
+            <a:r>
+              <a:rPr lang="es-MX" b="0" i="1" dirty="0">
+                <a:solidFill>
+                  <a:srgbClr val="C3E88D"/>
+                </a:solidFill>
+                <a:effectLst/>
+                <a:latin typeface="Consolas" panose="020B0609020204030204" pitchFamily="49" charset="0"/>
+              </a:rPr>
+              <a:t>"</a:t>
+            </a:r>
+            <a:r>
+              <a:rPr lang="es-MX" b="0" i="1" dirty="0" err="1">
+                <a:solidFill>
+                  <a:srgbClr val="C3E88D"/>
+                </a:solidFill>
+                <a:effectLst/>
+                <a:latin typeface="Consolas" panose="020B0609020204030204" pitchFamily="49" charset="0"/>
+              </a:rPr>
+              <a:t>positivo"</a:t>
+            </a:r>
+            <a:r>
+              <a:rPr lang="es-MX" b="1" dirty="0" err="1">
+                <a:solidFill>
+                  <a:srgbClr val="56D6D6"/>
+                </a:solidFill>
+                <a:effectLst/>
+                <a:latin typeface="Consolas" panose="020B0609020204030204" pitchFamily="49" charset="0"/>
+              </a:rPr>
+              <a:t>:</a:t>
+            </a:r>
+            <a:r>
+              <a:rPr lang="es-MX" b="0" i="1" dirty="0" err="1">
+                <a:solidFill>
+                  <a:srgbClr val="C3E88D"/>
+                </a:solidFill>
+                <a:effectLst/>
+                <a:latin typeface="Consolas" panose="020B0609020204030204" pitchFamily="49" charset="0"/>
+              </a:rPr>
+              <a:t>"negativo</a:t>
+            </a:r>
+            <a:r>
+              <a:rPr lang="es-MX" b="0" i="1" dirty="0">
+                <a:solidFill>
+                  <a:srgbClr val="C3E88D"/>
+                </a:solidFill>
+                <a:effectLst/>
+                <a:latin typeface="Consolas" panose="020B0609020204030204" pitchFamily="49" charset="0"/>
+              </a:rPr>
+              <a:t>"</a:t>
+            </a:r>
+            <a:endParaRPr lang="es-MX" b="0" dirty="0">
+              <a:solidFill>
+                <a:srgbClr val="CED5E5"/>
+              </a:solidFill>
+              <a:effectLst/>
+              <a:latin typeface="Consolas" panose="020B0609020204030204" pitchFamily="49" charset="0"/>
+            </a:endParaRPr>
+          </a:p>
+          <a:p>
+            <a:pPr marL="0" indent="0">
+              <a:buNone/>
+            </a:pPr>
+            <a:endParaRPr lang="es-MX" dirty="0">
+              <a:solidFill>
+                <a:srgbClr val="00A67D"/>
+              </a:solidFill>
+              <a:latin typeface="Söhne Mono"/>
+            </a:endParaRPr>
+          </a:p>
+          <a:p>
+            <a:pPr marL="0" indent="0">
+              <a:buNone/>
+            </a:pPr>
+            <a:endParaRPr lang="es-MX" dirty="0"/>
+          </a:p>
+          <a:p>
+            <a:endParaRPr lang="es-MX" dirty="0"/>
+          </a:p>
+          <a:p>
+            <a:pPr marL="0" indent="0">
+              <a:buNone/>
+            </a:pPr>
+            <a:endParaRPr lang="es-MX" dirty="0"/>
           </a:p>
         </p:txBody>
       </p:sp>
     </p:spTree>
     <p:extLst>
       <p:ext uri="{BB962C8B-B14F-4D97-AF65-F5344CB8AC3E}">
-        <p14:creationId xmlns:p14="http://schemas.microsoft.com/office/powerpoint/2010/main" val="2906553810"/>
+        <p14:creationId xmlns:p14="http://schemas.microsoft.com/office/powerpoint/2010/main" val="123148118"/>
       </p:ext>
     </p:extLst>
   </p:cSld>
